--- a/_site/public/document/diagram/TCA.pptx
+++ b/_site/public/document/diagram/TCA.pptx
@@ -5,8 +5,9 @@
     <p:sldMasterId id="2147483648" r:id="rId1"/>
   </p:sldMasterIdLst>
   <p:sldIdLst>
-    <p:sldId id="256" r:id="rId2"/>
-    <p:sldId id="257" r:id="rId3"/>
+    <p:sldId id="258" r:id="rId2"/>
+    <p:sldId id="256" r:id="rId3"/>
+    <p:sldId id="257" r:id="rId4"/>
   </p:sldIdLst>
   <p:sldSz cx="12192000" cy="6858000"/>
   <p:notesSz cx="6858000" cy="9144000"/>
@@ -105,6 +106,11 @@
       </a:defRPr>
     </a:lvl9pPr>
   </p:defaultTextStyle>
+  <p:extLst>
+    <p:ext uri="{EFAFB233-063F-42B5-8137-9DF3F51BA10A}">
+      <p15:sldGuideLst xmlns:p15="http://schemas.microsoft.com/office/powerpoint/2012/main"/>
+    </p:ext>
+  </p:extLst>
 </p:presentation>
 </file>
 
@@ -255,7 +261,7 @@
           <a:p>
             <a:fld id="{6396AA2A-F9C0-48E7-BF37-DF0038291A55}" type="datetimeFigureOut">
               <a:rPr lang="ko-KR" altLang="en-US" smtClean="0"/>
-              <a:t>2020-04-21</a:t>
+              <a:t>2020-05-08</a:t>
             </a:fld>
             <a:endParaRPr lang="ko-KR" altLang="en-US"/>
           </a:p>
@@ -453,7 +459,7 @@
           <a:p>
             <a:fld id="{6396AA2A-F9C0-48E7-BF37-DF0038291A55}" type="datetimeFigureOut">
               <a:rPr lang="ko-KR" altLang="en-US" smtClean="0"/>
-              <a:t>2020-04-21</a:t>
+              <a:t>2020-05-08</a:t>
             </a:fld>
             <a:endParaRPr lang="ko-KR" altLang="en-US"/>
           </a:p>
@@ -661,7 +667,7 @@
           <a:p>
             <a:fld id="{6396AA2A-F9C0-48E7-BF37-DF0038291A55}" type="datetimeFigureOut">
               <a:rPr lang="ko-KR" altLang="en-US" smtClean="0"/>
-              <a:t>2020-04-21</a:t>
+              <a:t>2020-05-08</a:t>
             </a:fld>
             <a:endParaRPr lang="ko-KR" altLang="en-US"/>
           </a:p>
@@ -859,7 +865,7 @@
           <a:p>
             <a:fld id="{6396AA2A-F9C0-48E7-BF37-DF0038291A55}" type="datetimeFigureOut">
               <a:rPr lang="ko-KR" altLang="en-US" smtClean="0"/>
-              <a:t>2020-04-21</a:t>
+              <a:t>2020-05-08</a:t>
             </a:fld>
             <a:endParaRPr lang="ko-KR" altLang="en-US"/>
           </a:p>
@@ -1134,7 +1140,7 @@
           <a:p>
             <a:fld id="{6396AA2A-F9C0-48E7-BF37-DF0038291A55}" type="datetimeFigureOut">
               <a:rPr lang="ko-KR" altLang="en-US" smtClean="0"/>
-              <a:t>2020-04-21</a:t>
+              <a:t>2020-05-08</a:t>
             </a:fld>
             <a:endParaRPr lang="ko-KR" altLang="en-US"/>
           </a:p>
@@ -1399,7 +1405,7 @@
           <a:p>
             <a:fld id="{6396AA2A-F9C0-48E7-BF37-DF0038291A55}" type="datetimeFigureOut">
               <a:rPr lang="ko-KR" altLang="en-US" smtClean="0"/>
-              <a:t>2020-04-21</a:t>
+              <a:t>2020-05-08</a:t>
             </a:fld>
             <a:endParaRPr lang="ko-KR" altLang="en-US"/>
           </a:p>
@@ -1811,7 +1817,7 @@
           <a:p>
             <a:fld id="{6396AA2A-F9C0-48E7-BF37-DF0038291A55}" type="datetimeFigureOut">
               <a:rPr lang="ko-KR" altLang="en-US" smtClean="0"/>
-              <a:t>2020-04-21</a:t>
+              <a:t>2020-05-08</a:t>
             </a:fld>
             <a:endParaRPr lang="ko-KR" altLang="en-US"/>
           </a:p>
@@ -1952,7 +1958,7 @@
           <a:p>
             <a:fld id="{6396AA2A-F9C0-48E7-BF37-DF0038291A55}" type="datetimeFigureOut">
               <a:rPr lang="ko-KR" altLang="en-US" smtClean="0"/>
-              <a:t>2020-04-21</a:t>
+              <a:t>2020-05-08</a:t>
             </a:fld>
             <a:endParaRPr lang="ko-KR" altLang="en-US"/>
           </a:p>
@@ -2065,7 +2071,7 @@
           <a:p>
             <a:fld id="{6396AA2A-F9C0-48E7-BF37-DF0038291A55}" type="datetimeFigureOut">
               <a:rPr lang="ko-KR" altLang="en-US" smtClean="0"/>
-              <a:t>2020-04-21</a:t>
+              <a:t>2020-05-08</a:t>
             </a:fld>
             <a:endParaRPr lang="ko-KR" altLang="en-US"/>
           </a:p>
@@ -2376,7 +2382,7 @@
           <a:p>
             <a:fld id="{6396AA2A-F9C0-48E7-BF37-DF0038291A55}" type="datetimeFigureOut">
               <a:rPr lang="ko-KR" altLang="en-US" smtClean="0"/>
-              <a:t>2020-04-21</a:t>
+              <a:t>2020-05-08</a:t>
             </a:fld>
             <a:endParaRPr lang="ko-KR" altLang="en-US"/>
           </a:p>
@@ -2664,7 +2670,7 @@
           <a:p>
             <a:fld id="{6396AA2A-F9C0-48E7-BF37-DF0038291A55}" type="datetimeFigureOut">
               <a:rPr lang="ko-KR" altLang="en-US" smtClean="0"/>
-              <a:t>2020-04-21</a:t>
+              <a:t>2020-05-08</a:t>
             </a:fld>
             <a:endParaRPr lang="ko-KR" altLang="en-US"/>
           </a:p>
@@ -2905,7 +2911,7 @@
           <a:p>
             <a:fld id="{6396AA2A-F9C0-48E7-BF37-DF0038291A55}" type="datetimeFigureOut">
               <a:rPr lang="ko-KR" altLang="en-US" smtClean="0"/>
-              <a:t>2020-04-21</a:t>
+              <a:t>2020-05-08</a:t>
             </a:fld>
             <a:endParaRPr lang="ko-KR" altLang="en-US"/>
           </a:p>
@@ -3324,6 +3330,2383 @@
       </p:grpSpPr>
       <p:grpSp>
         <p:nvGrpSpPr>
+          <p:cNvPr id="57" name="그룹 56">
+            <a:extLst>
+              <a:ext uri="{FF2B5EF4-FFF2-40B4-BE49-F238E27FC236}">
+                <a16:creationId xmlns:a16="http://schemas.microsoft.com/office/drawing/2014/main" id="{9F2CC0C5-36E7-45CA-8998-4AB64186F7D7}"/>
+              </a:ext>
+            </a:extLst>
+          </p:cNvPr>
+          <p:cNvGrpSpPr/>
+          <p:nvPr/>
+        </p:nvGrpSpPr>
+        <p:grpSpPr>
+          <a:xfrm>
+            <a:off x="104774" y="55949"/>
+            <a:ext cx="11468099" cy="6486600"/>
+            <a:chOff x="104774" y="55949"/>
+            <a:chExt cx="11468099" cy="6486600"/>
+          </a:xfrm>
+        </p:grpSpPr>
+        <p:sp>
+          <p:nvSpPr>
+            <p:cNvPr id="2" name="직사각형 1">
+              <a:extLst>
+                <a:ext uri="{FF2B5EF4-FFF2-40B4-BE49-F238E27FC236}">
+                  <a16:creationId xmlns:a16="http://schemas.microsoft.com/office/drawing/2014/main" id="{6F39C1F9-40D3-470B-9C30-7A57695F32FA}"/>
+                </a:ext>
+              </a:extLst>
+            </p:cNvPr>
+            <p:cNvSpPr/>
+            <p:nvPr/>
+          </p:nvSpPr>
+          <p:spPr>
+            <a:xfrm>
+              <a:off x="104774" y="667949"/>
+              <a:ext cx="1704976" cy="612000"/>
+            </a:xfrm>
+            <a:prstGeom prst="rect">
+              <a:avLst/>
+            </a:prstGeom>
+            <a:solidFill>
+              <a:srgbClr val="6441A4"/>
+            </a:solidFill>
+            <a:ln w="28575">
+              <a:solidFill>
+                <a:srgbClr val="6441A4"/>
+              </a:solidFill>
+            </a:ln>
+          </p:spPr>
+          <p:style>
+            <a:lnRef idx="2">
+              <a:schemeClr val="accent1">
+                <a:shade val="50000"/>
+              </a:schemeClr>
+            </a:lnRef>
+            <a:fillRef idx="1">
+              <a:schemeClr val="accent1"/>
+            </a:fillRef>
+            <a:effectRef idx="0">
+              <a:schemeClr val="accent1"/>
+            </a:effectRef>
+            <a:fontRef idx="minor">
+              <a:schemeClr val="lt1"/>
+            </a:fontRef>
+          </p:style>
+          <p:txBody>
+            <a:bodyPr rtlCol="0" anchor="ctr"/>
+            <a:lstStyle/>
+            <a:p>
+              <a:pPr algn="ctr"/>
+              <a:r>
+                <a:rPr lang="ko-KR" altLang="en-US" sz="1400" b="1" dirty="0" err="1">
+                  <a:solidFill>
+                    <a:schemeClr val="bg1"/>
+                  </a:solidFill>
+                </a:rPr>
+                <a:t>스트리머</a:t>
+              </a:r>
+              <a:r>
+                <a:rPr lang="ko-KR" altLang="en-US" sz="1400" b="1" dirty="0">
+                  <a:solidFill>
+                    <a:schemeClr val="bg1"/>
+                  </a:solidFill>
+                </a:rPr>
+                <a:t> </a:t>
+              </a:r>
+              <a:r>
+                <a:rPr lang="en-US" altLang="ko-KR" sz="1400" b="1" dirty="0">
+                  <a:solidFill>
+                    <a:schemeClr val="bg1"/>
+                  </a:solidFill>
+                </a:rPr>
+                <a:t>id </a:t>
+              </a:r>
+              <a:r>
+                <a:rPr lang="ko-KR" altLang="en-US" sz="1400" b="1" dirty="0">
+                  <a:solidFill>
+                    <a:schemeClr val="bg1"/>
+                  </a:solidFill>
+                </a:rPr>
+                <a:t>입력</a:t>
+              </a:r>
+            </a:p>
+          </p:txBody>
+        </p:sp>
+        <p:sp>
+          <p:nvSpPr>
+            <p:cNvPr id="3" name="직사각형 2">
+              <a:extLst>
+                <a:ext uri="{FF2B5EF4-FFF2-40B4-BE49-F238E27FC236}">
+                  <a16:creationId xmlns:a16="http://schemas.microsoft.com/office/drawing/2014/main" id="{9B7C0C2C-B7FB-426F-8AB7-8AEAC749D3AE}"/>
+                </a:ext>
+              </a:extLst>
+            </p:cNvPr>
+            <p:cNvSpPr/>
+            <p:nvPr/>
+          </p:nvSpPr>
+          <p:spPr>
+            <a:xfrm>
+              <a:off x="2362199" y="667949"/>
+              <a:ext cx="1704976" cy="612000"/>
+            </a:xfrm>
+            <a:prstGeom prst="rect">
+              <a:avLst/>
+            </a:prstGeom>
+            <a:noFill/>
+            <a:ln w="28575">
+              <a:solidFill>
+                <a:srgbClr val="6441A4"/>
+              </a:solidFill>
+            </a:ln>
+          </p:spPr>
+          <p:style>
+            <a:lnRef idx="2">
+              <a:schemeClr val="accent1">
+                <a:shade val="50000"/>
+              </a:schemeClr>
+            </a:lnRef>
+            <a:fillRef idx="1">
+              <a:schemeClr val="accent1"/>
+            </a:fillRef>
+            <a:effectRef idx="0">
+              <a:schemeClr val="accent1"/>
+            </a:effectRef>
+            <a:fontRef idx="minor">
+              <a:schemeClr val="lt1"/>
+            </a:fontRef>
+          </p:style>
+          <p:txBody>
+            <a:bodyPr rtlCol="0" anchor="ctr"/>
+            <a:lstStyle/>
+            <a:p>
+              <a:pPr algn="ctr"/>
+              <a:r>
+                <a:rPr lang="ko-KR" altLang="en-US" sz="1400" b="1" dirty="0" err="1">
+                  <a:solidFill>
+                    <a:srgbClr val="6441A4"/>
+                  </a:solidFill>
+                </a:rPr>
+                <a:t>트위치에</a:t>
+              </a:r>
+              <a:r>
+                <a:rPr lang="ko-KR" altLang="en-US" sz="1400" b="1" dirty="0">
+                  <a:solidFill>
+                    <a:srgbClr val="6441A4"/>
+                  </a:solidFill>
+                </a:rPr>
+                <a:t> 존재하는 </a:t>
+              </a:r>
+              <a:r>
+                <a:rPr lang="ko-KR" altLang="en-US" sz="1400" b="1" dirty="0" err="1">
+                  <a:solidFill>
+                    <a:srgbClr val="6441A4"/>
+                  </a:solidFill>
+                </a:rPr>
+                <a:t>스트리머인가</a:t>
+              </a:r>
+              <a:r>
+                <a:rPr lang="en-US" altLang="ko-KR" sz="1400" b="1" dirty="0">
+                  <a:solidFill>
+                    <a:srgbClr val="6441A4"/>
+                  </a:solidFill>
+                </a:rPr>
+                <a:t>?</a:t>
+              </a:r>
+              <a:endParaRPr lang="ko-KR" altLang="en-US" sz="1400" b="1" dirty="0">
+                <a:solidFill>
+                  <a:srgbClr val="6441A4"/>
+                </a:solidFill>
+              </a:endParaRPr>
+            </a:p>
+          </p:txBody>
+        </p:sp>
+        <p:sp>
+          <p:nvSpPr>
+            <p:cNvPr id="4" name="직사각형 3">
+              <a:extLst>
+                <a:ext uri="{FF2B5EF4-FFF2-40B4-BE49-F238E27FC236}">
+                  <a16:creationId xmlns:a16="http://schemas.microsoft.com/office/drawing/2014/main" id="{DE09B2C0-A95B-4D0B-9C7A-4A3CDA00CEE4}"/>
+                </a:ext>
+              </a:extLst>
+            </p:cNvPr>
+            <p:cNvSpPr/>
+            <p:nvPr/>
+          </p:nvSpPr>
+          <p:spPr>
+            <a:xfrm>
+              <a:off x="4619624" y="55949"/>
+              <a:ext cx="1704976" cy="612000"/>
+            </a:xfrm>
+            <a:prstGeom prst="rect">
+              <a:avLst/>
+            </a:prstGeom>
+            <a:noFill/>
+            <a:ln w="28575">
+              <a:solidFill>
+                <a:srgbClr val="6441A4"/>
+              </a:solidFill>
+            </a:ln>
+          </p:spPr>
+          <p:style>
+            <a:lnRef idx="2">
+              <a:schemeClr val="accent1">
+                <a:shade val="50000"/>
+              </a:schemeClr>
+            </a:lnRef>
+            <a:fillRef idx="1">
+              <a:schemeClr val="accent1"/>
+            </a:fillRef>
+            <a:effectRef idx="0">
+              <a:schemeClr val="accent1"/>
+            </a:effectRef>
+            <a:fontRef idx="minor">
+              <a:schemeClr val="lt1"/>
+            </a:fontRef>
+          </p:style>
+          <p:txBody>
+            <a:bodyPr rtlCol="0" anchor="ctr"/>
+            <a:lstStyle/>
+            <a:p>
+              <a:pPr algn="ctr"/>
+              <a:r>
+                <a:rPr lang="ko-KR" altLang="en-US" sz="1400" b="1" dirty="0" err="1">
+                  <a:solidFill>
+                    <a:srgbClr val="6441A4"/>
+                  </a:solidFill>
+                </a:rPr>
+                <a:t>스트리머</a:t>
+              </a:r>
+              <a:r>
+                <a:rPr lang="ko-KR" altLang="en-US" sz="1400" b="1" dirty="0">
+                  <a:solidFill>
+                    <a:srgbClr val="6441A4"/>
+                  </a:solidFill>
+                </a:rPr>
+                <a:t> </a:t>
+              </a:r>
+              <a:endParaRPr lang="en-US" altLang="ko-KR" sz="1400" b="1" dirty="0">
+                <a:solidFill>
+                  <a:srgbClr val="6441A4"/>
+                </a:solidFill>
+              </a:endParaRPr>
+            </a:p>
+            <a:p>
+              <a:pPr algn="ctr"/>
+              <a:r>
+                <a:rPr lang="en-US" altLang="ko-KR" sz="1400" b="1" dirty="0">
+                  <a:solidFill>
+                    <a:srgbClr val="6441A4"/>
+                  </a:solidFill>
+                </a:rPr>
+                <a:t>Not Found </a:t>
+              </a:r>
+              <a:r>
+                <a:rPr lang="ko-KR" altLang="en-US" sz="1400" b="1" dirty="0">
+                  <a:solidFill>
+                    <a:srgbClr val="6441A4"/>
+                  </a:solidFill>
+                </a:rPr>
+                <a:t>페이지</a:t>
+              </a:r>
+            </a:p>
+          </p:txBody>
+        </p:sp>
+        <p:sp>
+          <p:nvSpPr>
+            <p:cNvPr id="5" name="직사각형 4">
+              <a:extLst>
+                <a:ext uri="{FF2B5EF4-FFF2-40B4-BE49-F238E27FC236}">
+                  <a16:creationId xmlns:a16="http://schemas.microsoft.com/office/drawing/2014/main" id="{01C5B247-F2AA-425A-A62D-A9F93BC54A1B}"/>
+                </a:ext>
+              </a:extLst>
+            </p:cNvPr>
+            <p:cNvSpPr/>
+            <p:nvPr/>
+          </p:nvSpPr>
+          <p:spPr>
+            <a:xfrm>
+              <a:off x="4619624" y="1279949"/>
+              <a:ext cx="1704976" cy="612000"/>
+            </a:xfrm>
+            <a:prstGeom prst="rect">
+              <a:avLst/>
+            </a:prstGeom>
+            <a:noFill/>
+            <a:ln w="28575">
+              <a:solidFill>
+                <a:srgbClr val="6441A4"/>
+              </a:solidFill>
+            </a:ln>
+          </p:spPr>
+          <p:style>
+            <a:lnRef idx="2">
+              <a:schemeClr val="accent1">
+                <a:shade val="50000"/>
+              </a:schemeClr>
+            </a:lnRef>
+            <a:fillRef idx="1">
+              <a:schemeClr val="accent1"/>
+            </a:fillRef>
+            <a:effectRef idx="0">
+              <a:schemeClr val="accent1"/>
+            </a:effectRef>
+            <a:fontRef idx="minor">
+              <a:schemeClr val="lt1"/>
+            </a:fontRef>
+          </p:style>
+          <p:txBody>
+            <a:bodyPr rtlCol="0" anchor="ctr"/>
+            <a:lstStyle/>
+            <a:p>
+              <a:pPr algn="ctr"/>
+              <a:r>
+                <a:rPr lang="en-US" altLang="ko-KR" sz="1400" b="1" dirty="0">
+                  <a:solidFill>
+                    <a:srgbClr val="6441A4"/>
+                  </a:solidFill>
+                </a:rPr>
+                <a:t>DB</a:t>
+              </a:r>
+              <a:r>
+                <a:rPr lang="ko-KR" altLang="en-US" sz="1400" b="1" dirty="0">
+                  <a:solidFill>
+                    <a:srgbClr val="6441A4"/>
+                  </a:solidFill>
+                </a:rPr>
+                <a:t>에 저장된</a:t>
+              </a:r>
+              <a:endParaRPr lang="en-US" altLang="ko-KR" sz="1400" b="1" dirty="0">
+                <a:solidFill>
+                  <a:srgbClr val="6441A4"/>
+                </a:solidFill>
+              </a:endParaRPr>
+            </a:p>
+            <a:p>
+              <a:pPr algn="ctr"/>
+              <a:r>
+                <a:rPr lang="ko-KR" altLang="en-US" sz="1400" b="1" dirty="0" err="1">
+                  <a:solidFill>
+                    <a:srgbClr val="6441A4"/>
+                  </a:solidFill>
+                </a:rPr>
+                <a:t>스트리머인가</a:t>
+              </a:r>
+              <a:r>
+                <a:rPr lang="en-US" altLang="ko-KR" sz="1400" b="1" dirty="0">
+                  <a:solidFill>
+                    <a:srgbClr val="6441A4"/>
+                  </a:solidFill>
+                </a:rPr>
+                <a:t>?</a:t>
+              </a:r>
+              <a:endParaRPr lang="ko-KR" altLang="en-US" sz="1400" b="1" dirty="0">
+                <a:solidFill>
+                  <a:srgbClr val="6441A4"/>
+                </a:solidFill>
+              </a:endParaRPr>
+            </a:p>
+          </p:txBody>
+        </p:sp>
+        <p:sp>
+          <p:nvSpPr>
+            <p:cNvPr id="6" name="직사각형 5">
+              <a:extLst>
+                <a:ext uri="{FF2B5EF4-FFF2-40B4-BE49-F238E27FC236}">
+                  <a16:creationId xmlns:a16="http://schemas.microsoft.com/office/drawing/2014/main" id="{4A999409-BCBC-4A76-9C18-123429A39EC6}"/>
+                </a:ext>
+              </a:extLst>
+            </p:cNvPr>
+            <p:cNvSpPr/>
+            <p:nvPr/>
+          </p:nvSpPr>
+          <p:spPr>
+            <a:xfrm>
+              <a:off x="6877049" y="397949"/>
+              <a:ext cx="1790702" cy="882000"/>
+            </a:xfrm>
+            <a:prstGeom prst="rect">
+              <a:avLst/>
+            </a:prstGeom>
+            <a:noFill/>
+            <a:ln w="28575">
+              <a:solidFill>
+                <a:srgbClr val="6441A4"/>
+              </a:solidFill>
+            </a:ln>
+          </p:spPr>
+          <p:style>
+            <a:lnRef idx="2">
+              <a:schemeClr val="accent1">
+                <a:shade val="50000"/>
+              </a:schemeClr>
+            </a:lnRef>
+            <a:fillRef idx="1">
+              <a:schemeClr val="accent1"/>
+            </a:fillRef>
+            <a:effectRef idx="0">
+              <a:schemeClr val="accent1"/>
+            </a:effectRef>
+            <a:fontRef idx="minor">
+              <a:schemeClr val="lt1"/>
+            </a:fontRef>
+          </p:style>
+          <p:txBody>
+            <a:bodyPr rtlCol="0" anchor="ctr"/>
+            <a:lstStyle/>
+            <a:p>
+              <a:pPr algn="ctr"/>
+              <a:r>
+                <a:rPr lang="ko-KR" altLang="en-US" sz="1400" b="1" dirty="0" err="1">
+                  <a:solidFill>
+                    <a:srgbClr val="6441A4"/>
+                  </a:solidFill>
+                </a:rPr>
+                <a:t>스트리머</a:t>
+              </a:r>
+              <a:r>
+                <a:rPr lang="ko-KR" altLang="en-US" sz="1400" b="1" dirty="0">
+                  <a:solidFill>
+                    <a:srgbClr val="6441A4"/>
+                  </a:solidFill>
+                </a:rPr>
+                <a:t> 정보 </a:t>
+              </a:r>
+              <a:br>
+                <a:rPr lang="en-US" altLang="ko-KR" sz="1400" b="1" dirty="0">
+                  <a:solidFill>
+                    <a:srgbClr val="6441A4"/>
+                  </a:solidFill>
+                </a:rPr>
+              </a:br>
+              <a:r>
+                <a:rPr lang="ko-KR" altLang="en-US" sz="1400" b="1" dirty="0" err="1">
+                  <a:solidFill>
+                    <a:srgbClr val="6441A4"/>
+                  </a:solidFill>
+                </a:rPr>
+                <a:t>트위치에서</a:t>
+              </a:r>
+              <a:r>
+                <a:rPr lang="ko-KR" altLang="en-US" sz="1400" b="1" dirty="0">
+                  <a:solidFill>
+                    <a:srgbClr val="6441A4"/>
+                  </a:solidFill>
+                </a:rPr>
+                <a:t> 불러와 </a:t>
+              </a:r>
+              <a:r>
+                <a:rPr lang="en-US" altLang="ko-KR" sz="1400" b="1" dirty="0">
+                  <a:solidFill>
+                    <a:srgbClr val="6441A4"/>
+                  </a:solidFill>
+                </a:rPr>
+                <a:t>DB</a:t>
+              </a:r>
+              <a:r>
+                <a:rPr lang="ko-KR" altLang="en-US" sz="1400" b="1" dirty="0">
+                  <a:solidFill>
+                    <a:srgbClr val="6441A4"/>
+                  </a:solidFill>
+                </a:rPr>
+                <a:t>에 저장 요청</a:t>
+              </a:r>
+            </a:p>
+          </p:txBody>
+        </p:sp>
+        <p:sp>
+          <p:nvSpPr>
+            <p:cNvPr id="7" name="직사각형 6">
+              <a:extLst>
+                <a:ext uri="{FF2B5EF4-FFF2-40B4-BE49-F238E27FC236}">
+                  <a16:creationId xmlns:a16="http://schemas.microsoft.com/office/drawing/2014/main" id="{F22F6C84-EDE9-4CAF-8814-E5F91ACF681C}"/>
+                </a:ext>
+              </a:extLst>
+            </p:cNvPr>
+            <p:cNvSpPr/>
+            <p:nvPr/>
+          </p:nvSpPr>
+          <p:spPr>
+            <a:xfrm>
+              <a:off x="6877049" y="1891949"/>
+              <a:ext cx="1704976" cy="612000"/>
+            </a:xfrm>
+            <a:prstGeom prst="rect">
+              <a:avLst/>
+            </a:prstGeom>
+            <a:noFill/>
+            <a:ln w="28575">
+              <a:solidFill>
+                <a:srgbClr val="6441A4"/>
+              </a:solidFill>
+            </a:ln>
+          </p:spPr>
+          <p:style>
+            <a:lnRef idx="2">
+              <a:schemeClr val="accent1">
+                <a:shade val="50000"/>
+              </a:schemeClr>
+            </a:lnRef>
+            <a:fillRef idx="1">
+              <a:schemeClr val="accent1"/>
+            </a:fillRef>
+            <a:effectRef idx="0">
+              <a:schemeClr val="accent1"/>
+            </a:effectRef>
+            <a:fontRef idx="minor">
+              <a:schemeClr val="lt1"/>
+            </a:fontRef>
+          </p:style>
+          <p:txBody>
+            <a:bodyPr rtlCol="0" anchor="ctr"/>
+            <a:lstStyle/>
+            <a:p>
+              <a:pPr algn="ctr"/>
+              <a:r>
+                <a:rPr lang="ko-KR" altLang="en-US" sz="1400" b="1" dirty="0" err="1">
+                  <a:solidFill>
+                    <a:srgbClr val="6441A4"/>
+                  </a:solidFill>
+                </a:rPr>
+                <a:t>스트리머</a:t>
+              </a:r>
+              <a:r>
+                <a:rPr lang="ko-KR" altLang="en-US" sz="1400" b="1" dirty="0">
+                  <a:solidFill>
+                    <a:srgbClr val="6441A4"/>
+                  </a:solidFill>
+                </a:rPr>
+                <a:t> 조회 </a:t>
+              </a:r>
+              <a:br>
+                <a:rPr lang="en-US" altLang="ko-KR" sz="1400" b="1" dirty="0">
+                  <a:solidFill>
+                    <a:srgbClr val="6441A4"/>
+                  </a:solidFill>
+                </a:rPr>
+              </a:br>
+              <a:r>
+                <a:rPr lang="en-US" altLang="ko-KR" sz="1400" b="1" dirty="0">
+                  <a:solidFill>
+                    <a:srgbClr val="6441A4"/>
+                  </a:solidFill>
+                </a:rPr>
+                <a:t>API </a:t>
+              </a:r>
+              <a:r>
+                <a:rPr lang="ko-KR" altLang="en-US" sz="1400" b="1" dirty="0">
+                  <a:solidFill>
+                    <a:srgbClr val="6441A4"/>
+                  </a:solidFill>
+                </a:rPr>
+                <a:t>호출</a:t>
+              </a:r>
+            </a:p>
+          </p:txBody>
+        </p:sp>
+        <p:sp>
+          <p:nvSpPr>
+            <p:cNvPr id="8" name="직사각형 7">
+              <a:extLst>
+                <a:ext uri="{FF2B5EF4-FFF2-40B4-BE49-F238E27FC236}">
+                  <a16:creationId xmlns:a16="http://schemas.microsoft.com/office/drawing/2014/main" id="{D0E92F0B-D900-40AF-8BD4-D6E7D6DA7BCE}"/>
+                </a:ext>
+              </a:extLst>
+            </p:cNvPr>
+            <p:cNvSpPr/>
+            <p:nvPr/>
+          </p:nvSpPr>
+          <p:spPr>
+            <a:xfrm>
+              <a:off x="104774" y="3877874"/>
+              <a:ext cx="1704976" cy="612000"/>
+            </a:xfrm>
+            <a:prstGeom prst="rect">
+              <a:avLst/>
+            </a:prstGeom>
+            <a:solidFill>
+              <a:srgbClr val="6441A4"/>
+            </a:solidFill>
+            <a:ln w="28575">
+              <a:solidFill>
+                <a:srgbClr val="6441A4"/>
+              </a:solidFill>
+            </a:ln>
+          </p:spPr>
+          <p:style>
+            <a:lnRef idx="2">
+              <a:schemeClr val="accent1">
+                <a:shade val="50000"/>
+              </a:schemeClr>
+            </a:lnRef>
+            <a:fillRef idx="1">
+              <a:schemeClr val="accent1"/>
+            </a:fillRef>
+            <a:effectRef idx="0">
+              <a:schemeClr val="accent1"/>
+            </a:effectRef>
+            <a:fontRef idx="minor">
+              <a:schemeClr val="lt1"/>
+            </a:fontRef>
+          </p:style>
+          <p:txBody>
+            <a:bodyPr rtlCol="0" anchor="ctr"/>
+            <a:lstStyle/>
+            <a:p>
+              <a:pPr algn="ctr"/>
+              <a:r>
+                <a:rPr lang="ko-KR" altLang="en-US" sz="1400" b="1" dirty="0">
+                  <a:solidFill>
+                    <a:schemeClr val="bg1"/>
+                  </a:solidFill>
+                </a:rPr>
+                <a:t>비디오 </a:t>
+              </a:r>
+              <a:r>
+                <a:rPr lang="en-US" altLang="ko-KR" sz="1400" b="1" dirty="0">
+                  <a:solidFill>
+                    <a:schemeClr val="bg1"/>
+                  </a:solidFill>
+                </a:rPr>
+                <a:t>id </a:t>
+              </a:r>
+              <a:r>
+                <a:rPr lang="ko-KR" altLang="en-US" sz="1400" b="1" dirty="0">
+                  <a:solidFill>
+                    <a:schemeClr val="bg1"/>
+                  </a:solidFill>
+                </a:rPr>
+                <a:t>입력</a:t>
+              </a:r>
+            </a:p>
+          </p:txBody>
+        </p:sp>
+        <p:sp>
+          <p:nvSpPr>
+            <p:cNvPr id="9" name="직사각형 8">
+              <a:extLst>
+                <a:ext uri="{FF2B5EF4-FFF2-40B4-BE49-F238E27FC236}">
+                  <a16:creationId xmlns:a16="http://schemas.microsoft.com/office/drawing/2014/main" id="{93FD7C33-3098-4E55-A159-5E92353793F1}"/>
+                </a:ext>
+              </a:extLst>
+            </p:cNvPr>
+            <p:cNvSpPr/>
+            <p:nvPr/>
+          </p:nvSpPr>
+          <p:spPr>
+            <a:xfrm>
+              <a:off x="2362199" y="3877874"/>
+              <a:ext cx="1704976" cy="612000"/>
+            </a:xfrm>
+            <a:prstGeom prst="rect">
+              <a:avLst/>
+            </a:prstGeom>
+            <a:noFill/>
+            <a:ln w="28575">
+              <a:solidFill>
+                <a:srgbClr val="6441A4"/>
+              </a:solidFill>
+            </a:ln>
+          </p:spPr>
+          <p:style>
+            <a:lnRef idx="2">
+              <a:schemeClr val="accent1">
+                <a:shade val="50000"/>
+              </a:schemeClr>
+            </a:lnRef>
+            <a:fillRef idx="1">
+              <a:schemeClr val="accent1"/>
+            </a:fillRef>
+            <a:effectRef idx="0">
+              <a:schemeClr val="accent1"/>
+            </a:effectRef>
+            <a:fontRef idx="minor">
+              <a:schemeClr val="lt1"/>
+            </a:fontRef>
+          </p:style>
+          <p:txBody>
+            <a:bodyPr rtlCol="0" anchor="ctr"/>
+            <a:lstStyle/>
+            <a:p>
+              <a:pPr algn="ctr"/>
+              <a:r>
+                <a:rPr lang="ko-KR" altLang="en-US" sz="1400" b="1" dirty="0" err="1">
+                  <a:solidFill>
+                    <a:srgbClr val="6441A4"/>
+                  </a:solidFill>
+                </a:rPr>
+                <a:t>트위치에</a:t>
+              </a:r>
+              <a:r>
+                <a:rPr lang="ko-KR" altLang="en-US" sz="1400" b="1" dirty="0">
+                  <a:solidFill>
+                    <a:srgbClr val="6441A4"/>
+                  </a:solidFill>
+                </a:rPr>
+                <a:t> 존재하는 비디오인가</a:t>
+              </a:r>
+              <a:r>
+                <a:rPr lang="en-US" altLang="ko-KR" sz="1400" b="1" dirty="0">
+                  <a:solidFill>
+                    <a:srgbClr val="6441A4"/>
+                  </a:solidFill>
+                </a:rPr>
+                <a:t>?</a:t>
+              </a:r>
+              <a:endParaRPr lang="ko-KR" altLang="en-US" sz="1400" b="1" dirty="0">
+                <a:solidFill>
+                  <a:srgbClr val="6441A4"/>
+                </a:solidFill>
+              </a:endParaRPr>
+            </a:p>
+          </p:txBody>
+        </p:sp>
+        <p:sp>
+          <p:nvSpPr>
+            <p:cNvPr id="10" name="직사각형 9">
+              <a:extLst>
+                <a:ext uri="{FF2B5EF4-FFF2-40B4-BE49-F238E27FC236}">
+                  <a16:creationId xmlns:a16="http://schemas.microsoft.com/office/drawing/2014/main" id="{3B4700BF-173E-40F2-9147-90620773F772}"/>
+                </a:ext>
+              </a:extLst>
+            </p:cNvPr>
+            <p:cNvSpPr/>
+            <p:nvPr/>
+          </p:nvSpPr>
+          <p:spPr>
+            <a:xfrm>
+              <a:off x="4619624" y="3265874"/>
+              <a:ext cx="1704976" cy="612000"/>
+            </a:xfrm>
+            <a:prstGeom prst="rect">
+              <a:avLst/>
+            </a:prstGeom>
+            <a:noFill/>
+            <a:ln w="28575">
+              <a:solidFill>
+                <a:srgbClr val="6441A4"/>
+              </a:solidFill>
+            </a:ln>
+          </p:spPr>
+          <p:style>
+            <a:lnRef idx="2">
+              <a:schemeClr val="accent1">
+                <a:shade val="50000"/>
+              </a:schemeClr>
+            </a:lnRef>
+            <a:fillRef idx="1">
+              <a:schemeClr val="accent1"/>
+            </a:fillRef>
+            <a:effectRef idx="0">
+              <a:schemeClr val="accent1"/>
+            </a:effectRef>
+            <a:fontRef idx="minor">
+              <a:schemeClr val="lt1"/>
+            </a:fontRef>
+          </p:style>
+          <p:txBody>
+            <a:bodyPr rtlCol="0" anchor="ctr"/>
+            <a:lstStyle/>
+            <a:p>
+              <a:pPr algn="ctr"/>
+              <a:r>
+                <a:rPr lang="ko-KR" altLang="en-US" sz="1400" b="1" dirty="0">
+                  <a:solidFill>
+                    <a:srgbClr val="6441A4"/>
+                  </a:solidFill>
+                </a:rPr>
+                <a:t>비디오 </a:t>
+              </a:r>
+              <a:endParaRPr lang="en-US" altLang="ko-KR" sz="1400" b="1" dirty="0">
+                <a:solidFill>
+                  <a:srgbClr val="6441A4"/>
+                </a:solidFill>
+              </a:endParaRPr>
+            </a:p>
+            <a:p>
+              <a:pPr algn="ctr"/>
+              <a:r>
+                <a:rPr lang="en-US" altLang="ko-KR" sz="1400" b="1" dirty="0">
+                  <a:solidFill>
+                    <a:srgbClr val="6441A4"/>
+                  </a:solidFill>
+                </a:rPr>
+                <a:t>Not Found </a:t>
+              </a:r>
+              <a:r>
+                <a:rPr lang="ko-KR" altLang="en-US" sz="1400" b="1" dirty="0">
+                  <a:solidFill>
+                    <a:srgbClr val="6441A4"/>
+                  </a:solidFill>
+                </a:rPr>
+                <a:t>페이지</a:t>
+              </a:r>
+            </a:p>
+          </p:txBody>
+        </p:sp>
+        <p:sp>
+          <p:nvSpPr>
+            <p:cNvPr id="11" name="직사각형 10">
+              <a:extLst>
+                <a:ext uri="{FF2B5EF4-FFF2-40B4-BE49-F238E27FC236}">
+                  <a16:creationId xmlns:a16="http://schemas.microsoft.com/office/drawing/2014/main" id="{4EB93FAB-D743-4C52-A41A-53BEE74A1D52}"/>
+                </a:ext>
+              </a:extLst>
+            </p:cNvPr>
+            <p:cNvSpPr/>
+            <p:nvPr/>
+          </p:nvSpPr>
+          <p:spPr>
+            <a:xfrm>
+              <a:off x="4619624" y="4489874"/>
+              <a:ext cx="1704976" cy="612000"/>
+            </a:xfrm>
+            <a:prstGeom prst="rect">
+              <a:avLst/>
+            </a:prstGeom>
+            <a:noFill/>
+            <a:ln w="28575">
+              <a:solidFill>
+                <a:srgbClr val="6441A4"/>
+              </a:solidFill>
+            </a:ln>
+          </p:spPr>
+          <p:style>
+            <a:lnRef idx="2">
+              <a:schemeClr val="accent1">
+                <a:shade val="50000"/>
+              </a:schemeClr>
+            </a:lnRef>
+            <a:fillRef idx="1">
+              <a:schemeClr val="accent1"/>
+            </a:fillRef>
+            <a:effectRef idx="0">
+              <a:schemeClr val="accent1"/>
+            </a:effectRef>
+            <a:fontRef idx="minor">
+              <a:schemeClr val="lt1"/>
+            </a:fontRef>
+          </p:style>
+          <p:txBody>
+            <a:bodyPr rtlCol="0" anchor="ctr"/>
+            <a:lstStyle/>
+            <a:p>
+              <a:pPr algn="ctr"/>
+              <a:r>
+                <a:rPr lang="en-US" altLang="ko-KR" sz="1400" b="1" dirty="0">
+                  <a:solidFill>
+                    <a:srgbClr val="6441A4"/>
+                  </a:solidFill>
+                </a:rPr>
+                <a:t>DB</a:t>
+              </a:r>
+              <a:r>
+                <a:rPr lang="ko-KR" altLang="en-US" sz="1400" b="1" dirty="0">
+                  <a:solidFill>
+                    <a:srgbClr val="6441A4"/>
+                  </a:solidFill>
+                </a:rPr>
+                <a:t>에 저장된</a:t>
+              </a:r>
+              <a:endParaRPr lang="en-US" altLang="ko-KR" sz="1400" b="1" dirty="0">
+                <a:solidFill>
+                  <a:srgbClr val="6441A4"/>
+                </a:solidFill>
+              </a:endParaRPr>
+            </a:p>
+            <a:p>
+              <a:pPr algn="ctr"/>
+              <a:r>
+                <a:rPr lang="ko-KR" altLang="en-US" sz="1400" b="1" dirty="0">
+                  <a:solidFill>
+                    <a:srgbClr val="6441A4"/>
+                  </a:solidFill>
+                </a:rPr>
+                <a:t>비디오인가</a:t>
+              </a:r>
+              <a:r>
+                <a:rPr lang="en-US" altLang="ko-KR" sz="1400" b="1" dirty="0">
+                  <a:solidFill>
+                    <a:srgbClr val="6441A4"/>
+                  </a:solidFill>
+                </a:rPr>
+                <a:t>?</a:t>
+              </a:r>
+              <a:endParaRPr lang="ko-KR" altLang="en-US" sz="1400" b="1" dirty="0">
+                <a:solidFill>
+                  <a:srgbClr val="6441A4"/>
+                </a:solidFill>
+              </a:endParaRPr>
+            </a:p>
+          </p:txBody>
+        </p:sp>
+        <p:sp>
+          <p:nvSpPr>
+            <p:cNvPr id="12" name="직사각형 11">
+              <a:extLst>
+                <a:ext uri="{FF2B5EF4-FFF2-40B4-BE49-F238E27FC236}">
+                  <a16:creationId xmlns:a16="http://schemas.microsoft.com/office/drawing/2014/main" id="{8CF510E3-79CD-4B07-AC94-44CDB733985B}"/>
+                </a:ext>
+              </a:extLst>
+            </p:cNvPr>
+            <p:cNvSpPr/>
+            <p:nvPr/>
+          </p:nvSpPr>
+          <p:spPr>
+            <a:xfrm>
+              <a:off x="6877049" y="3607874"/>
+              <a:ext cx="1704976" cy="882000"/>
+            </a:xfrm>
+            <a:prstGeom prst="rect">
+              <a:avLst/>
+            </a:prstGeom>
+            <a:noFill/>
+            <a:ln w="28575">
+              <a:solidFill>
+                <a:srgbClr val="6441A4"/>
+              </a:solidFill>
+            </a:ln>
+          </p:spPr>
+          <p:style>
+            <a:lnRef idx="2">
+              <a:schemeClr val="accent1">
+                <a:shade val="50000"/>
+              </a:schemeClr>
+            </a:lnRef>
+            <a:fillRef idx="1">
+              <a:schemeClr val="accent1"/>
+            </a:fillRef>
+            <a:effectRef idx="0">
+              <a:schemeClr val="accent1"/>
+            </a:effectRef>
+            <a:fontRef idx="minor">
+              <a:schemeClr val="lt1"/>
+            </a:fontRef>
+          </p:style>
+          <p:txBody>
+            <a:bodyPr rtlCol="0" anchor="ctr"/>
+            <a:lstStyle/>
+            <a:p>
+              <a:pPr algn="ctr"/>
+              <a:r>
+                <a:rPr lang="ko-KR" altLang="en-US" sz="1400" b="1" dirty="0">
+                  <a:solidFill>
+                    <a:srgbClr val="6441A4"/>
+                  </a:solidFill>
+                </a:rPr>
+                <a:t>비디오 정보</a:t>
+              </a:r>
+              <a:br>
+                <a:rPr lang="en-US" altLang="ko-KR" sz="1400" b="1" dirty="0">
+                  <a:solidFill>
+                    <a:srgbClr val="6441A4"/>
+                  </a:solidFill>
+                </a:rPr>
+              </a:br>
+              <a:r>
+                <a:rPr lang="ko-KR" altLang="en-US" sz="1400" b="1" dirty="0" err="1">
+                  <a:solidFill>
+                    <a:srgbClr val="6441A4"/>
+                  </a:solidFill>
+                </a:rPr>
+                <a:t>트위치에서</a:t>
+              </a:r>
+              <a:r>
+                <a:rPr lang="ko-KR" altLang="en-US" sz="1400" b="1" dirty="0">
+                  <a:solidFill>
+                    <a:srgbClr val="6441A4"/>
+                  </a:solidFill>
+                </a:rPr>
+                <a:t> 불러와</a:t>
+              </a:r>
+              <a:br>
+                <a:rPr lang="en-US" altLang="ko-KR" sz="1400" b="1" dirty="0">
+                  <a:solidFill>
+                    <a:srgbClr val="6441A4"/>
+                  </a:solidFill>
+                </a:rPr>
+              </a:br>
+              <a:r>
+                <a:rPr lang="en-US" altLang="ko-KR" sz="1400" b="1" dirty="0">
+                  <a:solidFill>
+                    <a:srgbClr val="6441A4"/>
+                  </a:solidFill>
+                </a:rPr>
+                <a:t>DB</a:t>
+              </a:r>
+              <a:r>
+                <a:rPr lang="ko-KR" altLang="en-US" sz="1400" b="1" dirty="0">
+                  <a:solidFill>
+                    <a:srgbClr val="6441A4"/>
+                  </a:solidFill>
+                </a:rPr>
+                <a:t>에 저장 요청</a:t>
+              </a:r>
+            </a:p>
+          </p:txBody>
+        </p:sp>
+        <p:sp>
+          <p:nvSpPr>
+            <p:cNvPr id="13" name="직사각형 12">
+              <a:extLst>
+                <a:ext uri="{FF2B5EF4-FFF2-40B4-BE49-F238E27FC236}">
+                  <a16:creationId xmlns:a16="http://schemas.microsoft.com/office/drawing/2014/main" id="{BA92B9D3-E5BB-44E9-B099-3F208DAE6903}"/>
+                </a:ext>
+              </a:extLst>
+            </p:cNvPr>
+            <p:cNvSpPr/>
+            <p:nvPr/>
+          </p:nvSpPr>
+          <p:spPr>
+            <a:xfrm>
+              <a:off x="6877049" y="5101874"/>
+              <a:ext cx="1704976" cy="612000"/>
+            </a:xfrm>
+            <a:prstGeom prst="rect">
+              <a:avLst/>
+            </a:prstGeom>
+            <a:noFill/>
+            <a:ln w="28575">
+              <a:solidFill>
+                <a:srgbClr val="6441A4"/>
+              </a:solidFill>
+            </a:ln>
+          </p:spPr>
+          <p:style>
+            <a:lnRef idx="2">
+              <a:schemeClr val="accent1">
+                <a:shade val="50000"/>
+              </a:schemeClr>
+            </a:lnRef>
+            <a:fillRef idx="1">
+              <a:schemeClr val="accent1"/>
+            </a:fillRef>
+            <a:effectRef idx="0">
+              <a:schemeClr val="accent1"/>
+            </a:effectRef>
+            <a:fontRef idx="minor">
+              <a:schemeClr val="lt1"/>
+            </a:fontRef>
+          </p:style>
+          <p:txBody>
+            <a:bodyPr rtlCol="0" anchor="ctr"/>
+            <a:lstStyle/>
+            <a:p>
+              <a:pPr algn="ctr"/>
+              <a:r>
+                <a:rPr lang="ko-KR" altLang="en-US" sz="1400" b="1" dirty="0">
+                  <a:solidFill>
+                    <a:srgbClr val="6441A4"/>
+                  </a:solidFill>
+                </a:rPr>
+                <a:t>비디오 조회 </a:t>
+              </a:r>
+              <a:br>
+                <a:rPr lang="en-US" altLang="ko-KR" sz="1400" b="1" dirty="0">
+                  <a:solidFill>
+                    <a:srgbClr val="6441A4"/>
+                  </a:solidFill>
+                </a:rPr>
+              </a:br>
+              <a:r>
+                <a:rPr lang="en-US" altLang="ko-KR" sz="1400" b="1" dirty="0">
+                  <a:solidFill>
+                    <a:srgbClr val="6441A4"/>
+                  </a:solidFill>
+                </a:rPr>
+                <a:t>API </a:t>
+              </a:r>
+              <a:r>
+                <a:rPr lang="ko-KR" altLang="en-US" sz="1400" b="1" dirty="0">
+                  <a:solidFill>
+                    <a:srgbClr val="6441A4"/>
+                  </a:solidFill>
+                </a:rPr>
+                <a:t>호출</a:t>
+              </a:r>
+            </a:p>
+          </p:txBody>
+        </p:sp>
+        <p:sp>
+          <p:nvSpPr>
+            <p:cNvPr id="14" name="직사각형 13">
+              <a:extLst>
+                <a:ext uri="{FF2B5EF4-FFF2-40B4-BE49-F238E27FC236}">
+                  <a16:creationId xmlns:a16="http://schemas.microsoft.com/office/drawing/2014/main" id="{C33A4995-E7AE-4838-818E-41F3AC0B6676}"/>
+                </a:ext>
+              </a:extLst>
+            </p:cNvPr>
+            <p:cNvSpPr/>
+            <p:nvPr/>
+          </p:nvSpPr>
+          <p:spPr>
+            <a:xfrm>
+              <a:off x="9744071" y="3301874"/>
+              <a:ext cx="1828802" cy="612000"/>
+            </a:xfrm>
+            <a:prstGeom prst="rect">
+              <a:avLst/>
+            </a:prstGeom>
+            <a:solidFill>
+              <a:srgbClr val="6441A4"/>
+            </a:solidFill>
+            <a:ln w="28575">
+              <a:solidFill>
+                <a:srgbClr val="6441A4"/>
+              </a:solidFill>
+            </a:ln>
+          </p:spPr>
+          <p:style>
+            <a:lnRef idx="2">
+              <a:schemeClr val="accent1">
+                <a:shade val="50000"/>
+              </a:schemeClr>
+            </a:lnRef>
+            <a:fillRef idx="1">
+              <a:schemeClr val="accent1"/>
+            </a:fillRef>
+            <a:effectRef idx="0">
+              <a:schemeClr val="accent1"/>
+            </a:effectRef>
+            <a:fontRef idx="minor">
+              <a:schemeClr val="lt1"/>
+            </a:fontRef>
+          </p:style>
+          <p:txBody>
+            <a:bodyPr rtlCol="0" anchor="ctr"/>
+            <a:lstStyle/>
+            <a:p>
+              <a:pPr algn="ctr"/>
+              <a:r>
+                <a:rPr lang="ko-KR" altLang="en-US" sz="1400" b="1" dirty="0">
+                  <a:solidFill>
+                    <a:schemeClr val="bg1"/>
+                  </a:solidFill>
+                </a:rPr>
+                <a:t>분석된 비디오 선택</a:t>
+              </a:r>
+            </a:p>
+          </p:txBody>
+        </p:sp>
+        <p:sp>
+          <p:nvSpPr>
+            <p:cNvPr id="15" name="직사각형 14">
+              <a:extLst>
+                <a:ext uri="{FF2B5EF4-FFF2-40B4-BE49-F238E27FC236}">
+                  <a16:creationId xmlns:a16="http://schemas.microsoft.com/office/drawing/2014/main" id="{746C1553-6EF5-4FDB-8014-F7732A6A4840}"/>
+                </a:ext>
+              </a:extLst>
+            </p:cNvPr>
+            <p:cNvSpPr/>
+            <p:nvPr/>
+          </p:nvSpPr>
+          <p:spPr>
+            <a:xfrm>
+              <a:off x="9782172" y="5930549"/>
+              <a:ext cx="1790701" cy="612000"/>
+            </a:xfrm>
+            <a:prstGeom prst="rect">
+              <a:avLst/>
+            </a:prstGeom>
+            <a:solidFill>
+              <a:srgbClr val="6441A4"/>
+            </a:solidFill>
+            <a:ln w="28575">
+              <a:solidFill>
+                <a:srgbClr val="6441A4"/>
+              </a:solidFill>
+            </a:ln>
+          </p:spPr>
+          <p:style>
+            <a:lnRef idx="2">
+              <a:schemeClr val="accent1">
+                <a:shade val="50000"/>
+              </a:schemeClr>
+            </a:lnRef>
+            <a:fillRef idx="1">
+              <a:schemeClr val="accent1"/>
+            </a:fillRef>
+            <a:effectRef idx="0">
+              <a:schemeClr val="accent1"/>
+            </a:effectRef>
+            <a:fontRef idx="minor">
+              <a:schemeClr val="lt1"/>
+            </a:fontRef>
+          </p:style>
+          <p:txBody>
+            <a:bodyPr rtlCol="0" anchor="ctr"/>
+            <a:lstStyle/>
+            <a:p>
+              <a:pPr algn="ctr"/>
+              <a:r>
+                <a:rPr lang="ko-KR" altLang="en-US" sz="1400" b="1" dirty="0">
+                  <a:solidFill>
+                    <a:schemeClr val="bg1"/>
+                  </a:solidFill>
+                </a:rPr>
+                <a:t>분석된 채팅으로</a:t>
+              </a:r>
+              <a:br>
+                <a:rPr lang="en-US" altLang="ko-KR" sz="1400" b="1" dirty="0">
+                  <a:solidFill>
+                    <a:schemeClr val="bg1"/>
+                  </a:solidFill>
+                </a:rPr>
+              </a:br>
+              <a:r>
+                <a:rPr lang="ko-KR" altLang="en-US" sz="1400" b="1" dirty="0" err="1">
+                  <a:solidFill>
+                    <a:schemeClr val="bg1"/>
+                  </a:solidFill>
+                </a:rPr>
+                <a:t>다시보기</a:t>
+              </a:r>
+              <a:r>
+                <a:rPr lang="ko-KR" altLang="en-US" sz="1400" b="1" dirty="0">
+                  <a:solidFill>
+                    <a:schemeClr val="bg1"/>
+                  </a:solidFill>
+                </a:rPr>
+                <a:t> 지점 선택</a:t>
+              </a:r>
+            </a:p>
+          </p:txBody>
+        </p:sp>
+        <p:cxnSp>
+          <p:nvCxnSpPr>
+            <p:cNvPr id="17" name="직선 화살표 연결선 16">
+              <a:extLst>
+                <a:ext uri="{FF2B5EF4-FFF2-40B4-BE49-F238E27FC236}">
+                  <a16:creationId xmlns:a16="http://schemas.microsoft.com/office/drawing/2014/main" id="{F28D56D0-84E7-465F-BFE4-E7A504364A53}"/>
+                </a:ext>
+              </a:extLst>
+            </p:cNvPr>
+            <p:cNvCxnSpPr>
+              <a:stCxn id="2" idx="3"/>
+              <a:endCxn id="3" idx="1"/>
+            </p:cNvCxnSpPr>
+            <p:nvPr/>
+          </p:nvCxnSpPr>
+          <p:spPr>
+            <a:xfrm>
+              <a:off x="1809750" y="973949"/>
+              <a:ext cx="552449" cy="0"/>
+            </a:xfrm>
+            <a:prstGeom prst="straightConnector1">
+              <a:avLst/>
+            </a:prstGeom>
+            <a:ln w="28575">
+              <a:solidFill>
+                <a:srgbClr val="6441A4"/>
+              </a:solidFill>
+              <a:tailEnd type="triangle"/>
+            </a:ln>
+          </p:spPr>
+          <p:style>
+            <a:lnRef idx="1">
+              <a:schemeClr val="accent1"/>
+            </a:lnRef>
+            <a:fillRef idx="0">
+              <a:schemeClr val="accent1"/>
+            </a:fillRef>
+            <a:effectRef idx="0">
+              <a:schemeClr val="accent1"/>
+            </a:effectRef>
+            <a:fontRef idx="minor">
+              <a:schemeClr val="tx1"/>
+            </a:fontRef>
+          </p:style>
+        </p:cxnSp>
+        <p:cxnSp>
+          <p:nvCxnSpPr>
+            <p:cNvPr id="19" name="직선 화살표 연결선 18">
+              <a:extLst>
+                <a:ext uri="{FF2B5EF4-FFF2-40B4-BE49-F238E27FC236}">
+                  <a16:creationId xmlns:a16="http://schemas.microsoft.com/office/drawing/2014/main" id="{2FDD6B16-5AAF-4CE3-AB3D-1D14FD31391B}"/>
+                </a:ext>
+              </a:extLst>
+            </p:cNvPr>
+            <p:cNvCxnSpPr>
+              <a:stCxn id="8" idx="3"/>
+              <a:endCxn id="9" idx="1"/>
+            </p:cNvCxnSpPr>
+            <p:nvPr/>
+          </p:nvCxnSpPr>
+          <p:spPr>
+            <a:xfrm>
+              <a:off x="1809750" y="4183874"/>
+              <a:ext cx="552449" cy="0"/>
+            </a:xfrm>
+            <a:prstGeom prst="straightConnector1">
+              <a:avLst/>
+            </a:prstGeom>
+            <a:ln w="28575">
+              <a:solidFill>
+                <a:srgbClr val="6441A4"/>
+              </a:solidFill>
+              <a:tailEnd type="triangle"/>
+            </a:ln>
+          </p:spPr>
+          <p:style>
+            <a:lnRef idx="1">
+              <a:schemeClr val="accent1"/>
+            </a:lnRef>
+            <a:fillRef idx="0">
+              <a:schemeClr val="accent1"/>
+            </a:fillRef>
+            <a:effectRef idx="0">
+              <a:schemeClr val="accent1"/>
+            </a:effectRef>
+            <a:fontRef idx="minor">
+              <a:schemeClr val="tx1"/>
+            </a:fontRef>
+          </p:style>
+        </p:cxnSp>
+        <p:cxnSp>
+          <p:nvCxnSpPr>
+            <p:cNvPr id="21" name="연결선: 꺾임 20">
+              <a:extLst>
+                <a:ext uri="{FF2B5EF4-FFF2-40B4-BE49-F238E27FC236}">
+                  <a16:creationId xmlns:a16="http://schemas.microsoft.com/office/drawing/2014/main" id="{90A98688-BE94-45C4-B07F-76DAC4AF3115}"/>
+                </a:ext>
+              </a:extLst>
+            </p:cNvPr>
+            <p:cNvCxnSpPr>
+              <a:stCxn id="3" idx="3"/>
+              <a:endCxn id="4" idx="1"/>
+            </p:cNvCxnSpPr>
+            <p:nvPr/>
+          </p:nvCxnSpPr>
+          <p:spPr>
+            <a:xfrm flipV="1">
+              <a:off x="4067175" y="361949"/>
+              <a:ext cx="552449" cy="612000"/>
+            </a:xfrm>
+            <a:prstGeom prst="bentConnector3">
+              <a:avLst/>
+            </a:prstGeom>
+            <a:ln w="28575">
+              <a:solidFill>
+                <a:srgbClr val="6441A4"/>
+              </a:solidFill>
+              <a:tailEnd type="triangle"/>
+            </a:ln>
+          </p:spPr>
+          <p:style>
+            <a:lnRef idx="1">
+              <a:schemeClr val="accent1"/>
+            </a:lnRef>
+            <a:fillRef idx="0">
+              <a:schemeClr val="accent1"/>
+            </a:fillRef>
+            <a:effectRef idx="0">
+              <a:schemeClr val="accent1"/>
+            </a:effectRef>
+            <a:fontRef idx="minor">
+              <a:schemeClr val="tx1"/>
+            </a:fontRef>
+          </p:style>
+        </p:cxnSp>
+        <p:cxnSp>
+          <p:nvCxnSpPr>
+            <p:cNvPr id="23" name="연결선: 꺾임 22">
+              <a:extLst>
+                <a:ext uri="{FF2B5EF4-FFF2-40B4-BE49-F238E27FC236}">
+                  <a16:creationId xmlns:a16="http://schemas.microsoft.com/office/drawing/2014/main" id="{C10A1246-AFCC-4B1A-99F3-8E83C3FC56E2}"/>
+                </a:ext>
+              </a:extLst>
+            </p:cNvPr>
+            <p:cNvCxnSpPr>
+              <a:stCxn id="3" idx="3"/>
+              <a:endCxn id="5" idx="1"/>
+            </p:cNvCxnSpPr>
+            <p:nvPr/>
+          </p:nvCxnSpPr>
+          <p:spPr>
+            <a:xfrm>
+              <a:off x="4067175" y="973949"/>
+              <a:ext cx="552449" cy="612000"/>
+            </a:xfrm>
+            <a:prstGeom prst="bentConnector3">
+              <a:avLst/>
+            </a:prstGeom>
+            <a:ln w="28575">
+              <a:solidFill>
+                <a:srgbClr val="6441A4"/>
+              </a:solidFill>
+              <a:tailEnd type="triangle"/>
+            </a:ln>
+          </p:spPr>
+          <p:style>
+            <a:lnRef idx="1">
+              <a:schemeClr val="accent1"/>
+            </a:lnRef>
+            <a:fillRef idx="0">
+              <a:schemeClr val="accent1"/>
+            </a:fillRef>
+            <a:effectRef idx="0">
+              <a:schemeClr val="accent1"/>
+            </a:effectRef>
+            <a:fontRef idx="minor">
+              <a:schemeClr val="tx1"/>
+            </a:fontRef>
+          </p:style>
+        </p:cxnSp>
+        <p:cxnSp>
+          <p:nvCxnSpPr>
+            <p:cNvPr id="25" name="연결선: 꺾임 24">
+              <a:extLst>
+                <a:ext uri="{FF2B5EF4-FFF2-40B4-BE49-F238E27FC236}">
+                  <a16:creationId xmlns:a16="http://schemas.microsoft.com/office/drawing/2014/main" id="{8C57868C-B87D-4677-A2DF-FD8482F7CEB1}"/>
+                </a:ext>
+              </a:extLst>
+            </p:cNvPr>
+            <p:cNvCxnSpPr>
+              <a:stCxn id="5" idx="3"/>
+              <a:endCxn id="6" idx="1"/>
+            </p:cNvCxnSpPr>
+            <p:nvPr/>
+          </p:nvCxnSpPr>
+          <p:spPr>
+            <a:xfrm flipV="1">
+              <a:off x="6324600" y="838949"/>
+              <a:ext cx="552449" cy="747000"/>
+            </a:xfrm>
+            <a:prstGeom prst="bentConnector3">
+              <a:avLst/>
+            </a:prstGeom>
+            <a:ln w="28575">
+              <a:solidFill>
+                <a:srgbClr val="6441A4"/>
+              </a:solidFill>
+              <a:tailEnd type="triangle"/>
+            </a:ln>
+          </p:spPr>
+          <p:style>
+            <a:lnRef idx="1">
+              <a:schemeClr val="accent1"/>
+            </a:lnRef>
+            <a:fillRef idx="0">
+              <a:schemeClr val="accent1"/>
+            </a:fillRef>
+            <a:effectRef idx="0">
+              <a:schemeClr val="accent1"/>
+            </a:effectRef>
+            <a:fontRef idx="minor">
+              <a:schemeClr val="tx1"/>
+            </a:fontRef>
+          </p:style>
+        </p:cxnSp>
+        <p:cxnSp>
+          <p:nvCxnSpPr>
+            <p:cNvPr id="27" name="연결선: 꺾임 26">
+              <a:extLst>
+                <a:ext uri="{FF2B5EF4-FFF2-40B4-BE49-F238E27FC236}">
+                  <a16:creationId xmlns:a16="http://schemas.microsoft.com/office/drawing/2014/main" id="{FDDE56F0-C6E8-409A-9EC8-92240AD99819}"/>
+                </a:ext>
+              </a:extLst>
+            </p:cNvPr>
+            <p:cNvCxnSpPr>
+              <a:stCxn id="5" idx="3"/>
+              <a:endCxn id="7" idx="1"/>
+            </p:cNvCxnSpPr>
+            <p:nvPr/>
+          </p:nvCxnSpPr>
+          <p:spPr>
+            <a:xfrm>
+              <a:off x="6324600" y="1585949"/>
+              <a:ext cx="552449" cy="612000"/>
+            </a:xfrm>
+            <a:prstGeom prst="bentConnector3">
+              <a:avLst/>
+            </a:prstGeom>
+            <a:ln w="28575">
+              <a:solidFill>
+                <a:srgbClr val="6441A4"/>
+              </a:solidFill>
+              <a:tailEnd type="triangle"/>
+            </a:ln>
+          </p:spPr>
+          <p:style>
+            <a:lnRef idx="1">
+              <a:schemeClr val="accent1"/>
+            </a:lnRef>
+            <a:fillRef idx="0">
+              <a:schemeClr val="accent1"/>
+            </a:fillRef>
+            <a:effectRef idx="0">
+              <a:schemeClr val="accent1"/>
+            </a:effectRef>
+            <a:fontRef idx="minor">
+              <a:schemeClr val="tx1"/>
+            </a:fontRef>
+          </p:style>
+        </p:cxnSp>
+        <p:cxnSp>
+          <p:nvCxnSpPr>
+            <p:cNvPr id="29" name="연결선: 꺾임 28">
+              <a:extLst>
+                <a:ext uri="{FF2B5EF4-FFF2-40B4-BE49-F238E27FC236}">
+                  <a16:creationId xmlns:a16="http://schemas.microsoft.com/office/drawing/2014/main" id="{99388452-545E-4192-877A-528D7C22C2A6}"/>
+                </a:ext>
+              </a:extLst>
+            </p:cNvPr>
+            <p:cNvCxnSpPr>
+              <a:stCxn id="9" idx="3"/>
+              <a:endCxn id="10" idx="1"/>
+            </p:cNvCxnSpPr>
+            <p:nvPr/>
+          </p:nvCxnSpPr>
+          <p:spPr>
+            <a:xfrm flipV="1">
+              <a:off x="4067175" y="3571874"/>
+              <a:ext cx="552449" cy="612000"/>
+            </a:xfrm>
+            <a:prstGeom prst="bentConnector3">
+              <a:avLst/>
+            </a:prstGeom>
+            <a:ln w="28575">
+              <a:solidFill>
+                <a:srgbClr val="6441A4"/>
+              </a:solidFill>
+              <a:tailEnd type="triangle"/>
+            </a:ln>
+          </p:spPr>
+          <p:style>
+            <a:lnRef idx="1">
+              <a:schemeClr val="accent1"/>
+            </a:lnRef>
+            <a:fillRef idx="0">
+              <a:schemeClr val="accent1"/>
+            </a:fillRef>
+            <a:effectRef idx="0">
+              <a:schemeClr val="accent1"/>
+            </a:effectRef>
+            <a:fontRef idx="minor">
+              <a:schemeClr val="tx1"/>
+            </a:fontRef>
+          </p:style>
+        </p:cxnSp>
+        <p:cxnSp>
+          <p:nvCxnSpPr>
+            <p:cNvPr id="31" name="연결선: 꺾임 30">
+              <a:extLst>
+                <a:ext uri="{FF2B5EF4-FFF2-40B4-BE49-F238E27FC236}">
+                  <a16:creationId xmlns:a16="http://schemas.microsoft.com/office/drawing/2014/main" id="{E067EDC7-7100-409D-BDC0-B54CBF1A8410}"/>
+                </a:ext>
+              </a:extLst>
+            </p:cNvPr>
+            <p:cNvCxnSpPr>
+              <a:stCxn id="9" idx="3"/>
+              <a:endCxn id="11" idx="1"/>
+            </p:cNvCxnSpPr>
+            <p:nvPr/>
+          </p:nvCxnSpPr>
+          <p:spPr>
+            <a:xfrm>
+              <a:off x="4067175" y="4183874"/>
+              <a:ext cx="552449" cy="612000"/>
+            </a:xfrm>
+            <a:prstGeom prst="bentConnector3">
+              <a:avLst/>
+            </a:prstGeom>
+            <a:ln w="28575">
+              <a:solidFill>
+                <a:srgbClr val="6441A4"/>
+              </a:solidFill>
+              <a:tailEnd type="triangle"/>
+            </a:ln>
+          </p:spPr>
+          <p:style>
+            <a:lnRef idx="1">
+              <a:schemeClr val="accent1"/>
+            </a:lnRef>
+            <a:fillRef idx="0">
+              <a:schemeClr val="accent1"/>
+            </a:fillRef>
+            <a:effectRef idx="0">
+              <a:schemeClr val="accent1"/>
+            </a:effectRef>
+            <a:fontRef idx="minor">
+              <a:schemeClr val="tx1"/>
+            </a:fontRef>
+          </p:style>
+        </p:cxnSp>
+        <p:cxnSp>
+          <p:nvCxnSpPr>
+            <p:cNvPr id="33" name="연결선: 꺾임 32">
+              <a:extLst>
+                <a:ext uri="{FF2B5EF4-FFF2-40B4-BE49-F238E27FC236}">
+                  <a16:creationId xmlns:a16="http://schemas.microsoft.com/office/drawing/2014/main" id="{675824D2-6BE7-4865-B476-DC18A7065D3D}"/>
+                </a:ext>
+              </a:extLst>
+            </p:cNvPr>
+            <p:cNvCxnSpPr>
+              <a:stCxn id="11" idx="3"/>
+              <a:endCxn id="12" idx="1"/>
+            </p:cNvCxnSpPr>
+            <p:nvPr/>
+          </p:nvCxnSpPr>
+          <p:spPr>
+            <a:xfrm flipV="1">
+              <a:off x="6324600" y="4048874"/>
+              <a:ext cx="552449" cy="747000"/>
+            </a:xfrm>
+            <a:prstGeom prst="bentConnector3">
+              <a:avLst/>
+            </a:prstGeom>
+            <a:ln w="28575">
+              <a:solidFill>
+                <a:srgbClr val="6441A4"/>
+              </a:solidFill>
+              <a:tailEnd type="triangle"/>
+            </a:ln>
+          </p:spPr>
+          <p:style>
+            <a:lnRef idx="1">
+              <a:schemeClr val="accent1"/>
+            </a:lnRef>
+            <a:fillRef idx="0">
+              <a:schemeClr val="accent1"/>
+            </a:fillRef>
+            <a:effectRef idx="0">
+              <a:schemeClr val="accent1"/>
+            </a:effectRef>
+            <a:fontRef idx="minor">
+              <a:schemeClr val="tx1"/>
+            </a:fontRef>
+          </p:style>
+        </p:cxnSp>
+        <p:cxnSp>
+          <p:nvCxnSpPr>
+            <p:cNvPr id="35" name="연결선: 꺾임 34">
+              <a:extLst>
+                <a:ext uri="{FF2B5EF4-FFF2-40B4-BE49-F238E27FC236}">
+                  <a16:creationId xmlns:a16="http://schemas.microsoft.com/office/drawing/2014/main" id="{47668F4F-FF78-4A49-A85A-80A0DECF7A26}"/>
+                </a:ext>
+              </a:extLst>
+            </p:cNvPr>
+            <p:cNvCxnSpPr>
+              <a:stCxn id="11" idx="3"/>
+              <a:endCxn id="13" idx="1"/>
+            </p:cNvCxnSpPr>
+            <p:nvPr/>
+          </p:nvCxnSpPr>
+          <p:spPr>
+            <a:xfrm>
+              <a:off x="6324600" y="4795874"/>
+              <a:ext cx="552449" cy="612000"/>
+            </a:xfrm>
+            <a:prstGeom prst="bentConnector3">
+              <a:avLst/>
+            </a:prstGeom>
+            <a:ln w="28575">
+              <a:solidFill>
+                <a:srgbClr val="6441A4"/>
+              </a:solidFill>
+              <a:tailEnd type="triangle"/>
+            </a:ln>
+          </p:spPr>
+          <p:style>
+            <a:lnRef idx="1">
+              <a:schemeClr val="accent1"/>
+            </a:lnRef>
+            <a:fillRef idx="0">
+              <a:schemeClr val="accent1"/>
+            </a:fillRef>
+            <a:effectRef idx="0">
+              <a:schemeClr val="accent1"/>
+            </a:effectRef>
+            <a:fontRef idx="minor">
+              <a:schemeClr val="tx1"/>
+            </a:fontRef>
+          </p:style>
+        </p:cxnSp>
+        <p:cxnSp>
+          <p:nvCxnSpPr>
+            <p:cNvPr id="37" name="연결선: 꺾임 36">
+              <a:extLst>
+                <a:ext uri="{FF2B5EF4-FFF2-40B4-BE49-F238E27FC236}">
+                  <a16:creationId xmlns:a16="http://schemas.microsoft.com/office/drawing/2014/main" id="{AAF16553-1979-4DE4-992D-639ADDB1693F}"/>
+                </a:ext>
+              </a:extLst>
+            </p:cNvPr>
+            <p:cNvCxnSpPr>
+              <a:stCxn id="7" idx="3"/>
+              <a:endCxn id="14" idx="0"/>
+            </p:cNvCxnSpPr>
+            <p:nvPr/>
+          </p:nvCxnSpPr>
+          <p:spPr>
+            <a:xfrm>
+              <a:off x="8582025" y="2197949"/>
+              <a:ext cx="2076447" cy="1103925"/>
+            </a:xfrm>
+            <a:prstGeom prst="bentConnector2">
+              <a:avLst/>
+            </a:prstGeom>
+            <a:ln w="28575">
+              <a:solidFill>
+                <a:srgbClr val="6441A4"/>
+              </a:solidFill>
+              <a:tailEnd type="triangle"/>
+            </a:ln>
+          </p:spPr>
+          <p:style>
+            <a:lnRef idx="1">
+              <a:schemeClr val="accent1"/>
+            </a:lnRef>
+            <a:fillRef idx="0">
+              <a:schemeClr val="accent1"/>
+            </a:fillRef>
+            <a:effectRef idx="0">
+              <a:schemeClr val="accent1"/>
+            </a:effectRef>
+            <a:fontRef idx="minor">
+              <a:schemeClr val="tx1"/>
+            </a:fontRef>
+          </p:style>
+        </p:cxnSp>
+        <p:cxnSp>
+          <p:nvCxnSpPr>
+            <p:cNvPr id="39" name="연결선: 꺾임 38">
+              <a:extLst>
+                <a:ext uri="{FF2B5EF4-FFF2-40B4-BE49-F238E27FC236}">
+                  <a16:creationId xmlns:a16="http://schemas.microsoft.com/office/drawing/2014/main" id="{6BD005D4-A10B-44EA-BBEC-F3C00E9B8384}"/>
+                </a:ext>
+              </a:extLst>
+            </p:cNvPr>
+            <p:cNvCxnSpPr>
+              <a:stCxn id="14" idx="2"/>
+              <a:endCxn id="13" idx="3"/>
+            </p:cNvCxnSpPr>
+            <p:nvPr/>
+          </p:nvCxnSpPr>
+          <p:spPr>
+            <a:xfrm rot="5400000">
+              <a:off x="8873249" y="3622651"/>
+              <a:ext cx="1494000" cy="2076447"/>
+            </a:xfrm>
+            <a:prstGeom prst="bentConnector2">
+              <a:avLst/>
+            </a:prstGeom>
+            <a:ln w="28575">
+              <a:solidFill>
+                <a:srgbClr val="6441A4"/>
+              </a:solidFill>
+              <a:tailEnd type="triangle"/>
+            </a:ln>
+          </p:spPr>
+          <p:style>
+            <a:lnRef idx="1">
+              <a:schemeClr val="accent1"/>
+            </a:lnRef>
+            <a:fillRef idx="0">
+              <a:schemeClr val="accent1"/>
+            </a:fillRef>
+            <a:effectRef idx="0">
+              <a:schemeClr val="accent1"/>
+            </a:effectRef>
+            <a:fontRef idx="minor">
+              <a:schemeClr val="tx1"/>
+            </a:fontRef>
+          </p:style>
+        </p:cxnSp>
+        <p:cxnSp>
+          <p:nvCxnSpPr>
+            <p:cNvPr id="41" name="연결선: 꺾임 40">
+              <a:extLst>
+                <a:ext uri="{FF2B5EF4-FFF2-40B4-BE49-F238E27FC236}">
+                  <a16:creationId xmlns:a16="http://schemas.microsoft.com/office/drawing/2014/main" id="{C26B7BF1-F3DA-4E9C-8EAC-D0794BEB52E8}"/>
+                </a:ext>
+              </a:extLst>
+            </p:cNvPr>
+            <p:cNvCxnSpPr>
+              <a:stCxn id="13" idx="2"/>
+              <a:endCxn id="15" idx="1"/>
+            </p:cNvCxnSpPr>
+            <p:nvPr/>
+          </p:nvCxnSpPr>
+          <p:spPr>
+            <a:xfrm rot="16200000" flipH="1">
+              <a:off x="8494517" y="4948893"/>
+              <a:ext cx="522675" cy="2052635"/>
+            </a:xfrm>
+            <a:prstGeom prst="bentConnector2">
+              <a:avLst/>
+            </a:prstGeom>
+            <a:ln w="28575">
+              <a:solidFill>
+                <a:srgbClr val="6441A4"/>
+              </a:solidFill>
+              <a:tailEnd type="triangle"/>
+            </a:ln>
+          </p:spPr>
+          <p:style>
+            <a:lnRef idx="1">
+              <a:schemeClr val="accent1"/>
+            </a:lnRef>
+            <a:fillRef idx="0">
+              <a:schemeClr val="accent1"/>
+            </a:fillRef>
+            <a:effectRef idx="0">
+              <a:schemeClr val="accent1"/>
+            </a:effectRef>
+            <a:fontRef idx="minor">
+              <a:schemeClr val="tx1"/>
+            </a:fontRef>
+          </p:style>
+        </p:cxnSp>
+        <p:cxnSp>
+          <p:nvCxnSpPr>
+            <p:cNvPr id="43" name="직선 화살표 연결선 42">
+              <a:extLst>
+                <a:ext uri="{FF2B5EF4-FFF2-40B4-BE49-F238E27FC236}">
+                  <a16:creationId xmlns:a16="http://schemas.microsoft.com/office/drawing/2014/main" id="{5B31D623-7671-4DFC-83F4-9030BC0E92B5}"/>
+                </a:ext>
+              </a:extLst>
+            </p:cNvPr>
+            <p:cNvCxnSpPr>
+              <a:stCxn id="12" idx="2"/>
+              <a:endCxn id="13" idx="0"/>
+            </p:cNvCxnSpPr>
+            <p:nvPr/>
+          </p:nvCxnSpPr>
+          <p:spPr>
+            <a:xfrm>
+              <a:off x="7729537" y="4489874"/>
+              <a:ext cx="0" cy="612000"/>
+            </a:xfrm>
+            <a:prstGeom prst="straightConnector1">
+              <a:avLst/>
+            </a:prstGeom>
+            <a:ln w="28575">
+              <a:solidFill>
+                <a:srgbClr val="6441A4"/>
+              </a:solidFill>
+              <a:tailEnd type="triangle"/>
+            </a:ln>
+          </p:spPr>
+          <p:style>
+            <a:lnRef idx="1">
+              <a:schemeClr val="accent1"/>
+            </a:lnRef>
+            <a:fillRef idx="0">
+              <a:schemeClr val="accent1"/>
+            </a:fillRef>
+            <a:effectRef idx="0">
+              <a:schemeClr val="accent1"/>
+            </a:effectRef>
+            <a:fontRef idx="minor">
+              <a:schemeClr val="tx1"/>
+            </a:fontRef>
+          </p:style>
+        </p:cxnSp>
+        <p:sp>
+          <p:nvSpPr>
+            <p:cNvPr id="44" name="TextBox 43">
+              <a:extLst>
+                <a:ext uri="{FF2B5EF4-FFF2-40B4-BE49-F238E27FC236}">
+                  <a16:creationId xmlns:a16="http://schemas.microsoft.com/office/drawing/2014/main" id="{A1F8D6BA-4CEA-42EF-A1C6-51552422A3B6}"/>
+                </a:ext>
+              </a:extLst>
+            </p:cNvPr>
+            <p:cNvSpPr txBox="1"/>
+            <p:nvPr/>
+          </p:nvSpPr>
+          <p:spPr>
+            <a:xfrm>
+              <a:off x="3852560" y="1432060"/>
+              <a:ext cx="490840" cy="307777"/>
+            </a:xfrm>
+            <a:prstGeom prst="rect">
+              <a:avLst/>
+            </a:prstGeom>
+            <a:noFill/>
+          </p:spPr>
+          <p:txBody>
+            <a:bodyPr wrap="none" rtlCol="0">
+              <a:spAutoFit/>
+            </a:bodyPr>
+            <a:lstStyle/>
+            <a:p>
+              <a:r>
+                <a:rPr lang="en-US" altLang="ko-KR" sz="1400" b="1" dirty="0">
+                  <a:solidFill>
+                    <a:srgbClr val="6441A4"/>
+                  </a:solidFill>
+                </a:rPr>
+                <a:t>YES</a:t>
+              </a:r>
+              <a:endParaRPr lang="ko-KR" altLang="en-US" sz="1400" b="1" dirty="0">
+                <a:solidFill>
+                  <a:srgbClr val="6441A4"/>
+                </a:solidFill>
+              </a:endParaRPr>
+            </a:p>
+          </p:txBody>
+        </p:sp>
+        <p:sp>
+          <p:nvSpPr>
+            <p:cNvPr id="45" name="TextBox 44">
+              <a:extLst>
+                <a:ext uri="{FF2B5EF4-FFF2-40B4-BE49-F238E27FC236}">
+                  <a16:creationId xmlns:a16="http://schemas.microsoft.com/office/drawing/2014/main" id="{F4AD844B-1B29-4185-894A-2475C8948755}"/>
+                </a:ext>
+              </a:extLst>
+            </p:cNvPr>
+            <p:cNvSpPr txBox="1"/>
+            <p:nvPr/>
+          </p:nvSpPr>
+          <p:spPr>
+            <a:xfrm>
+              <a:off x="3852560" y="206284"/>
+              <a:ext cx="466794" cy="307777"/>
+            </a:xfrm>
+            <a:prstGeom prst="rect">
+              <a:avLst/>
+            </a:prstGeom>
+            <a:noFill/>
+          </p:spPr>
+          <p:txBody>
+            <a:bodyPr wrap="none" rtlCol="0">
+              <a:spAutoFit/>
+            </a:bodyPr>
+            <a:lstStyle/>
+            <a:p>
+              <a:r>
+                <a:rPr lang="en-US" altLang="ko-KR" sz="1400" b="1" dirty="0">
+                  <a:solidFill>
+                    <a:srgbClr val="6441A4"/>
+                  </a:solidFill>
+                </a:rPr>
+                <a:t>NO</a:t>
+              </a:r>
+              <a:endParaRPr lang="ko-KR" altLang="en-US" sz="1400" b="1" dirty="0">
+                <a:solidFill>
+                  <a:srgbClr val="6441A4"/>
+                </a:solidFill>
+              </a:endParaRPr>
+            </a:p>
+          </p:txBody>
+        </p:sp>
+        <p:sp>
+          <p:nvSpPr>
+            <p:cNvPr id="46" name="TextBox 45">
+              <a:extLst>
+                <a:ext uri="{FF2B5EF4-FFF2-40B4-BE49-F238E27FC236}">
+                  <a16:creationId xmlns:a16="http://schemas.microsoft.com/office/drawing/2014/main" id="{59583051-F906-4FF6-BA45-8F25B637F664}"/>
+                </a:ext>
+              </a:extLst>
+            </p:cNvPr>
+            <p:cNvSpPr txBox="1"/>
+            <p:nvPr/>
+          </p:nvSpPr>
+          <p:spPr>
+            <a:xfrm>
+              <a:off x="6115048" y="2026948"/>
+              <a:ext cx="490840" cy="307777"/>
+            </a:xfrm>
+            <a:prstGeom prst="rect">
+              <a:avLst/>
+            </a:prstGeom>
+            <a:noFill/>
+          </p:spPr>
+          <p:txBody>
+            <a:bodyPr wrap="none" rtlCol="0">
+              <a:spAutoFit/>
+            </a:bodyPr>
+            <a:lstStyle/>
+            <a:p>
+              <a:r>
+                <a:rPr lang="en-US" altLang="ko-KR" sz="1400" b="1" dirty="0">
+                  <a:solidFill>
+                    <a:srgbClr val="6441A4"/>
+                  </a:solidFill>
+                </a:rPr>
+                <a:t>YES</a:t>
+              </a:r>
+              <a:endParaRPr lang="ko-KR" altLang="en-US" sz="1400" b="1" dirty="0">
+                <a:solidFill>
+                  <a:srgbClr val="6441A4"/>
+                </a:solidFill>
+              </a:endParaRPr>
+            </a:p>
+          </p:txBody>
+        </p:sp>
+        <p:sp>
+          <p:nvSpPr>
+            <p:cNvPr id="47" name="TextBox 46">
+              <a:extLst>
+                <a:ext uri="{FF2B5EF4-FFF2-40B4-BE49-F238E27FC236}">
+                  <a16:creationId xmlns:a16="http://schemas.microsoft.com/office/drawing/2014/main" id="{3643CF43-24BB-4AF5-861E-11362626FE42}"/>
+                </a:ext>
+              </a:extLst>
+            </p:cNvPr>
+            <p:cNvSpPr txBox="1"/>
+            <p:nvPr/>
+          </p:nvSpPr>
+          <p:spPr>
+            <a:xfrm>
+              <a:off x="6115048" y="801172"/>
+              <a:ext cx="466794" cy="307777"/>
+            </a:xfrm>
+            <a:prstGeom prst="rect">
+              <a:avLst/>
+            </a:prstGeom>
+            <a:noFill/>
+          </p:spPr>
+          <p:txBody>
+            <a:bodyPr wrap="none" rtlCol="0">
+              <a:spAutoFit/>
+            </a:bodyPr>
+            <a:lstStyle/>
+            <a:p>
+              <a:r>
+                <a:rPr lang="en-US" altLang="ko-KR" sz="1400" b="1" dirty="0">
+                  <a:solidFill>
+                    <a:srgbClr val="6441A4"/>
+                  </a:solidFill>
+                </a:rPr>
+                <a:t>NO</a:t>
+              </a:r>
+              <a:endParaRPr lang="ko-KR" altLang="en-US" sz="1400" b="1" dirty="0">
+                <a:solidFill>
+                  <a:srgbClr val="6441A4"/>
+                </a:solidFill>
+              </a:endParaRPr>
+            </a:p>
+          </p:txBody>
+        </p:sp>
+        <p:sp>
+          <p:nvSpPr>
+            <p:cNvPr id="48" name="TextBox 47">
+              <a:extLst>
+                <a:ext uri="{FF2B5EF4-FFF2-40B4-BE49-F238E27FC236}">
+                  <a16:creationId xmlns:a16="http://schemas.microsoft.com/office/drawing/2014/main" id="{024C38D2-3372-4700-9D14-9D30C56C7B0F}"/>
+                </a:ext>
+              </a:extLst>
+            </p:cNvPr>
+            <p:cNvSpPr txBox="1"/>
+            <p:nvPr/>
+          </p:nvSpPr>
+          <p:spPr>
+            <a:xfrm>
+              <a:off x="3852560" y="4643761"/>
+              <a:ext cx="490840" cy="307777"/>
+            </a:xfrm>
+            <a:prstGeom prst="rect">
+              <a:avLst/>
+            </a:prstGeom>
+            <a:noFill/>
+          </p:spPr>
+          <p:txBody>
+            <a:bodyPr wrap="none" rtlCol="0">
+              <a:spAutoFit/>
+            </a:bodyPr>
+            <a:lstStyle/>
+            <a:p>
+              <a:r>
+                <a:rPr lang="en-US" altLang="ko-KR" sz="1400" b="1" dirty="0">
+                  <a:solidFill>
+                    <a:srgbClr val="6441A4"/>
+                  </a:solidFill>
+                </a:rPr>
+                <a:t>YES</a:t>
+              </a:r>
+              <a:endParaRPr lang="ko-KR" altLang="en-US" sz="1400" b="1" dirty="0">
+                <a:solidFill>
+                  <a:srgbClr val="6441A4"/>
+                </a:solidFill>
+              </a:endParaRPr>
+            </a:p>
+          </p:txBody>
+        </p:sp>
+        <p:sp>
+          <p:nvSpPr>
+            <p:cNvPr id="49" name="TextBox 48">
+              <a:extLst>
+                <a:ext uri="{FF2B5EF4-FFF2-40B4-BE49-F238E27FC236}">
+                  <a16:creationId xmlns:a16="http://schemas.microsoft.com/office/drawing/2014/main" id="{CE956AF4-3821-4694-834C-E00F91055F93}"/>
+                </a:ext>
+              </a:extLst>
+            </p:cNvPr>
+            <p:cNvSpPr txBox="1"/>
+            <p:nvPr/>
+          </p:nvSpPr>
+          <p:spPr>
+            <a:xfrm>
+              <a:off x="3852560" y="3417985"/>
+              <a:ext cx="466794" cy="307777"/>
+            </a:xfrm>
+            <a:prstGeom prst="rect">
+              <a:avLst/>
+            </a:prstGeom>
+            <a:noFill/>
+          </p:spPr>
+          <p:txBody>
+            <a:bodyPr wrap="none" rtlCol="0">
+              <a:spAutoFit/>
+            </a:bodyPr>
+            <a:lstStyle/>
+            <a:p>
+              <a:r>
+                <a:rPr lang="en-US" altLang="ko-KR" sz="1400" b="1" dirty="0">
+                  <a:solidFill>
+                    <a:srgbClr val="6441A4"/>
+                  </a:solidFill>
+                </a:rPr>
+                <a:t>NO</a:t>
+              </a:r>
+              <a:endParaRPr lang="ko-KR" altLang="en-US" sz="1400" b="1" dirty="0">
+                <a:solidFill>
+                  <a:srgbClr val="6441A4"/>
+                </a:solidFill>
+              </a:endParaRPr>
+            </a:p>
+          </p:txBody>
+        </p:sp>
+        <p:sp>
+          <p:nvSpPr>
+            <p:cNvPr id="50" name="TextBox 49">
+              <a:extLst>
+                <a:ext uri="{FF2B5EF4-FFF2-40B4-BE49-F238E27FC236}">
+                  <a16:creationId xmlns:a16="http://schemas.microsoft.com/office/drawing/2014/main" id="{F5C70278-ABD5-4E6D-9737-94EEE2CF8CDB}"/>
+                </a:ext>
+              </a:extLst>
+            </p:cNvPr>
+            <p:cNvSpPr txBox="1"/>
+            <p:nvPr/>
+          </p:nvSpPr>
+          <p:spPr>
+            <a:xfrm>
+              <a:off x="6110253" y="5236711"/>
+              <a:ext cx="490840" cy="307777"/>
+            </a:xfrm>
+            <a:prstGeom prst="rect">
+              <a:avLst/>
+            </a:prstGeom>
+            <a:noFill/>
+          </p:spPr>
+          <p:txBody>
+            <a:bodyPr wrap="none" rtlCol="0">
+              <a:spAutoFit/>
+            </a:bodyPr>
+            <a:lstStyle/>
+            <a:p>
+              <a:r>
+                <a:rPr lang="en-US" altLang="ko-KR" sz="1400" b="1" dirty="0">
+                  <a:solidFill>
+                    <a:srgbClr val="6441A4"/>
+                  </a:solidFill>
+                </a:rPr>
+                <a:t>YES</a:t>
+              </a:r>
+              <a:endParaRPr lang="ko-KR" altLang="en-US" sz="1400" b="1" dirty="0">
+                <a:solidFill>
+                  <a:srgbClr val="6441A4"/>
+                </a:solidFill>
+              </a:endParaRPr>
+            </a:p>
+          </p:txBody>
+        </p:sp>
+        <p:sp>
+          <p:nvSpPr>
+            <p:cNvPr id="51" name="TextBox 50">
+              <a:extLst>
+                <a:ext uri="{FF2B5EF4-FFF2-40B4-BE49-F238E27FC236}">
+                  <a16:creationId xmlns:a16="http://schemas.microsoft.com/office/drawing/2014/main" id="{52691B01-3245-4AB8-B7CB-2CDB460F294B}"/>
+                </a:ext>
+              </a:extLst>
+            </p:cNvPr>
+            <p:cNvSpPr txBox="1"/>
+            <p:nvPr/>
+          </p:nvSpPr>
+          <p:spPr>
+            <a:xfrm>
+              <a:off x="6110253" y="4010935"/>
+              <a:ext cx="466794" cy="307777"/>
+            </a:xfrm>
+            <a:prstGeom prst="rect">
+              <a:avLst/>
+            </a:prstGeom>
+            <a:noFill/>
+          </p:spPr>
+          <p:txBody>
+            <a:bodyPr wrap="none" rtlCol="0">
+              <a:spAutoFit/>
+            </a:bodyPr>
+            <a:lstStyle/>
+            <a:p>
+              <a:r>
+                <a:rPr lang="en-US" altLang="ko-KR" sz="1400" b="1" dirty="0">
+                  <a:solidFill>
+                    <a:srgbClr val="6441A4"/>
+                  </a:solidFill>
+                </a:rPr>
+                <a:t>NO</a:t>
+              </a:r>
+              <a:endParaRPr lang="ko-KR" altLang="en-US" sz="1400" b="1" dirty="0">
+                <a:solidFill>
+                  <a:srgbClr val="6441A4"/>
+                </a:solidFill>
+              </a:endParaRPr>
+            </a:p>
+          </p:txBody>
+        </p:sp>
+        <p:cxnSp>
+          <p:nvCxnSpPr>
+            <p:cNvPr id="52" name="직선 화살표 연결선 51">
+              <a:extLst>
+                <a:ext uri="{FF2B5EF4-FFF2-40B4-BE49-F238E27FC236}">
+                  <a16:creationId xmlns:a16="http://schemas.microsoft.com/office/drawing/2014/main" id="{DD3F2B25-1277-42A1-A60E-2F963C95D5DD}"/>
+                </a:ext>
+              </a:extLst>
+            </p:cNvPr>
+            <p:cNvCxnSpPr/>
+            <p:nvPr/>
+          </p:nvCxnSpPr>
+          <p:spPr>
+            <a:xfrm>
+              <a:off x="7715249" y="1279949"/>
+              <a:ext cx="0" cy="612000"/>
+            </a:xfrm>
+            <a:prstGeom prst="straightConnector1">
+              <a:avLst/>
+            </a:prstGeom>
+            <a:ln w="28575">
+              <a:solidFill>
+                <a:srgbClr val="6441A4"/>
+              </a:solidFill>
+              <a:tailEnd type="triangle"/>
+            </a:ln>
+          </p:spPr>
+          <p:style>
+            <a:lnRef idx="1">
+              <a:schemeClr val="accent1"/>
+            </a:lnRef>
+            <a:fillRef idx="0">
+              <a:schemeClr val="accent1"/>
+            </a:fillRef>
+            <a:effectRef idx="0">
+              <a:schemeClr val="accent1"/>
+            </a:effectRef>
+            <a:fontRef idx="minor">
+              <a:schemeClr val="tx1"/>
+            </a:fontRef>
+          </p:style>
+        </p:cxnSp>
+        <p:sp>
+          <p:nvSpPr>
+            <p:cNvPr id="53" name="TextBox 52">
+              <a:extLst>
+                <a:ext uri="{FF2B5EF4-FFF2-40B4-BE49-F238E27FC236}">
+                  <a16:creationId xmlns:a16="http://schemas.microsoft.com/office/drawing/2014/main" id="{8B3B8A69-E185-4D42-B7F4-B0DBA7617708}"/>
+                </a:ext>
+              </a:extLst>
+            </p:cNvPr>
+            <p:cNvSpPr txBox="1"/>
+            <p:nvPr/>
+          </p:nvSpPr>
+          <p:spPr>
+            <a:xfrm>
+              <a:off x="7784155" y="1427110"/>
+              <a:ext cx="1016915" cy="312727"/>
+            </a:xfrm>
+            <a:prstGeom prst="rect">
+              <a:avLst/>
+            </a:prstGeom>
+            <a:noFill/>
+          </p:spPr>
+          <p:txBody>
+            <a:bodyPr wrap="square" rtlCol="0">
+              <a:spAutoFit/>
+            </a:bodyPr>
+            <a:lstStyle/>
+            <a:p>
+              <a:r>
+                <a:rPr lang="ko-KR" altLang="en-US" sz="1400" b="1" dirty="0">
+                  <a:solidFill>
+                    <a:srgbClr val="6441A4"/>
+                  </a:solidFill>
+                </a:rPr>
+                <a:t>저장 완료</a:t>
+              </a:r>
+            </a:p>
+          </p:txBody>
+        </p:sp>
+        <p:sp>
+          <p:nvSpPr>
+            <p:cNvPr id="54" name="TextBox 53">
+              <a:extLst>
+                <a:ext uri="{FF2B5EF4-FFF2-40B4-BE49-F238E27FC236}">
+                  <a16:creationId xmlns:a16="http://schemas.microsoft.com/office/drawing/2014/main" id="{9B64980C-74F4-41B4-91FE-BB3F9BB88125}"/>
+                </a:ext>
+              </a:extLst>
+            </p:cNvPr>
+            <p:cNvSpPr txBox="1"/>
+            <p:nvPr/>
+          </p:nvSpPr>
+          <p:spPr>
+            <a:xfrm>
+              <a:off x="7772400" y="4636147"/>
+              <a:ext cx="1016915" cy="312727"/>
+            </a:xfrm>
+            <a:prstGeom prst="rect">
+              <a:avLst/>
+            </a:prstGeom>
+            <a:noFill/>
+          </p:spPr>
+          <p:txBody>
+            <a:bodyPr wrap="square" rtlCol="0">
+              <a:spAutoFit/>
+            </a:bodyPr>
+            <a:lstStyle/>
+            <a:p>
+              <a:r>
+                <a:rPr lang="ko-KR" altLang="en-US" sz="1400" b="1" dirty="0">
+                  <a:solidFill>
+                    <a:srgbClr val="6441A4"/>
+                  </a:solidFill>
+                </a:rPr>
+                <a:t>저장 완료</a:t>
+              </a:r>
+            </a:p>
+          </p:txBody>
+        </p:sp>
+      </p:grpSp>
+    </p:spTree>
+    <p:extLst>
+      <p:ext uri="{BB962C8B-B14F-4D97-AF65-F5344CB8AC3E}">
+        <p14:creationId xmlns:p14="http://schemas.microsoft.com/office/powerpoint/2010/main" val="415335907"/>
+      </p:ext>
+    </p:extLst>
+  </p:cSld>
+  <p:clrMapOvr>
+    <a:masterClrMapping/>
+  </p:clrMapOvr>
+</p:sld>
+</file>
+
+<file path=ppt/slides/slide2.xml><?xml version="1.0" encoding="utf-8"?>
+<p:sld xmlns:a="http://schemas.openxmlformats.org/drawingml/2006/main" xmlns:r="http://schemas.openxmlformats.org/officeDocument/2006/relationships" xmlns:p="http://schemas.openxmlformats.org/presentationml/2006/main">
+  <p:cSld>
+    <p:spTree>
+      <p:nvGrpSpPr>
+        <p:cNvPr id="1" name=""/>
+        <p:cNvGrpSpPr/>
+        <p:nvPr/>
+      </p:nvGrpSpPr>
+      <p:grpSpPr>
+        <a:xfrm>
+          <a:off x="0" y="0"/>
+          <a:ext cx="0" cy="0"/>
+          <a:chOff x="0" y="0"/>
+          <a:chExt cx="0" cy="0"/>
+        </a:xfrm>
+      </p:grpSpPr>
+      <p:grpSp>
+        <p:nvGrpSpPr>
           <p:cNvPr id="42" name="그룹 41">
             <a:extLst>
               <a:ext uri="{FF2B5EF4-FFF2-40B4-BE49-F238E27FC236}">
@@ -4361,7 +6744,7 @@
 </p:sld>
 </file>
 
-<file path=ppt/slides/slide2.xml><?xml version="1.0" encoding="utf-8"?>
+<file path=ppt/slides/slide3.xml><?xml version="1.0" encoding="utf-8"?>
 <p:sld xmlns:a="http://schemas.openxmlformats.org/drawingml/2006/main" xmlns:r="http://schemas.openxmlformats.org/officeDocument/2006/relationships" xmlns:p="http://schemas.openxmlformats.org/presentationml/2006/main">
   <p:cSld>
     <p:spTree>
@@ -4380,10 +6763,10 @@
       </p:grpSpPr>
       <p:grpSp>
         <p:nvGrpSpPr>
-          <p:cNvPr id="130" name="그룹 129">
+          <p:cNvPr id="17" name="그룹 16">
             <a:extLst>
               <a:ext uri="{FF2B5EF4-FFF2-40B4-BE49-F238E27FC236}">
-                <a16:creationId xmlns:a16="http://schemas.microsoft.com/office/drawing/2014/main" id="{862508C1-3DFB-4042-B2B4-3B6A6B225B79}"/>
+                <a16:creationId xmlns:a16="http://schemas.microsoft.com/office/drawing/2014/main" id="{B19EEE85-EC86-4438-B034-8DDB5C248A85}"/>
               </a:ext>
             </a:extLst>
           </p:cNvPr>
@@ -4393,9 +6776,9 @@
         <p:grpSpPr>
           <a:xfrm>
             <a:off x="-4357" y="319385"/>
-            <a:ext cx="12048717" cy="5257541"/>
+            <a:ext cx="11986806" cy="5257541"/>
             <a:chOff x="-4357" y="319385"/>
-            <a:chExt cx="12048717" cy="5257541"/>
+            <a:chExt cx="11986806" cy="5257541"/>
           </a:xfrm>
         </p:grpSpPr>
         <p:sp>
@@ -6025,7 +8408,7 @@
           </p:nvGrpSpPr>
           <p:grpSpPr>
             <a:xfrm>
-              <a:off x="8539160" y="2394296"/>
+              <a:off x="8477249" y="2394296"/>
               <a:ext cx="3505200" cy="3182630"/>
               <a:chOff x="247650" y="2513320"/>
               <a:chExt cx="3505200" cy="3182630"/>
@@ -8422,15 +10805,15 @@
             </p:cNvPr>
             <p:cNvCxnSpPr>
               <a:cxnSpLocks/>
-              <a:stCxn id="109" idx="2"/>
+              <a:stCxn id="94" idx="2"/>
               <a:endCxn id="57" idx="0"/>
             </p:cNvCxnSpPr>
             <p:nvPr/>
           </p:nvCxnSpPr>
           <p:spPr>
             <a:xfrm rot="5400000">
-              <a:off x="10412575" y="1400951"/>
-              <a:ext cx="872530" cy="1114160"/>
+              <a:off x="9796099" y="1955516"/>
+              <a:ext cx="872530" cy="5030"/>
             </a:xfrm>
             <a:prstGeom prst="bentConnector3">
               <a:avLst>
@@ -8460,6 +10843,56 @@
             </a:fontRef>
           </p:style>
         </p:cxnSp>
+        <p:sp>
+          <p:nvSpPr>
+            <p:cNvPr id="94" name="직사각형 93">
+              <a:extLst>
+                <a:ext uri="{FF2B5EF4-FFF2-40B4-BE49-F238E27FC236}">
+                  <a16:creationId xmlns:a16="http://schemas.microsoft.com/office/drawing/2014/main" id="{BAF11299-B40A-4B84-B6BE-5C3E1CA6F2DC}"/>
+                </a:ext>
+              </a:extLst>
+            </p:cNvPr>
+            <p:cNvSpPr/>
+            <p:nvPr/>
+          </p:nvSpPr>
+          <p:spPr>
+            <a:xfrm>
+              <a:off x="9868166" y="1045517"/>
+              <a:ext cx="733425" cy="476249"/>
+            </a:xfrm>
+            <a:prstGeom prst="rect">
+              <a:avLst/>
+            </a:prstGeom>
+            <a:noFill/>
+            <a:ln>
+              <a:noFill/>
+            </a:ln>
+          </p:spPr>
+          <p:style>
+            <a:lnRef idx="2">
+              <a:schemeClr val="accent1">
+                <a:shade val="50000"/>
+              </a:schemeClr>
+            </a:lnRef>
+            <a:fillRef idx="1">
+              <a:schemeClr val="accent1"/>
+            </a:fillRef>
+            <a:effectRef idx="0">
+              <a:schemeClr val="accent1"/>
+            </a:effectRef>
+            <a:fontRef idx="minor">
+              <a:schemeClr val="lt1"/>
+            </a:fontRef>
+          </p:style>
+          <p:txBody>
+            <a:bodyPr rtlCol="0" anchor="ctr"/>
+            <a:lstStyle/>
+            <a:p>
+              <a:pPr algn="ctr"/>
+              <a:endParaRPr lang="ko-KR" altLang="en-US" dirty="0"/>
+            </a:p>
+          </p:txBody>
+        </p:sp>
       </p:grpSp>
     </p:spTree>
     <p:extLst>
